--- a/Site/Acaiá Coffee Shop.pptx
+++ b/Site/Acaiá Coffee Shop.pptx
@@ -5,24 +5,26 @@
     <p:sldMasterId id="2147483648" r:id="rId4"/>
   </p:sldMasterIdLst>
   <p:notesMasterIdLst>
-    <p:notesMasterId r:id="rId17"/>
+    <p:notesMasterId r:id="rId19"/>
   </p:notesMasterIdLst>
   <p:handoutMasterIdLst>
-    <p:handoutMasterId r:id="rId18"/>
+    <p:handoutMasterId r:id="rId20"/>
   </p:handoutMasterIdLst>
   <p:sldIdLst>
     <p:sldId id="258" r:id="rId5"/>
     <p:sldId id="305" r:id="rId6"/>
     <p:sldId id="270" r:id="rId7"/>
-    <p:sldId id="274" r:id="rId8"/>
-    <p:sldId id="275" r:id="rId9"/>
-    <p:sldId id="306" r:id="rId10"/>
-    <p:sldId id="279" r:id="rId11"/>
-    <p:sldId id="299" r:id="rId12"/>
-    <p:sldId id="294" r:id="rId13"/>
-    <p:sldId id="302" r:id="rId14"/>
-    <p:sldId id="300" r:id="rId15"/>
-    <p:sldId id="271" r:id="rId16"/>
+    <p:sldId id="307" r:id="rId8"/>
+    <p:sldId id="308" r:id="rId9"/>
+    <p:sldId id="274" r:id="rId10"/>
+    <p:sldId id="275" r:id="rId11"/>
+    <p:sldId id="306" r:id="rId12"/>
+    <p:sldId id="279" r:id="rId13"/>
+    <p:sldId id="299" r:id="rId14"/>
+    <p:sldId id="294" r:id="rId15"/>
+    <p:sldId id="302" r:id="rId16"/>
+    <p:sldId id="300" r:id="rId17"/>
+    <p:sldId id="271" r:id="rId18"/>
   </p:sldIdLst>
   <p:sldSz cx="12192000" cy="6858000"/>
   <p:notesSz cx="6858000" cy="9144000"/>
@@ -226,7 +228,7 @@
           <a:p>
             <a:fld id="{8991DC90-2F56-414F-AC56-FAB865663523}" type="datetime1">
               <a:rPr lang="pt-BR" smtClean="0"/>
-              <a:t>05/12/2021</a:t>
+              <a:t>06/12/2021</a:t>
             </a:fld>
             <a:endParaRPr lang="pt-BR"/>
           </a:p>
@@ -406,7 +408,7 @@
             <a:pPr rtl="0"/>
             <a:fld id="{2D2F2CE1-F7F5-4DD7-A11C-4E6EB4676F69}" type="datetime1">
               <a:rPr lang="pt-BR" smtClean="0"/>
-              <a:t>05/12/2021</a:t>
+              <a:t>06/12/2021</a:t>
             </a:fld>
             <a:endParaRPr lang="pt-BR" dirty="0"/>
           </a:p>
@@ -790,7 +792,7 @@
             <a:pPr rtl="0"/>
             <a:fld id="{E3A58993-3A32-4AF5-837C-2B816EAD0354}" type="datetime1">
               <a:rPr lang="pt-BR" smtClean="0"/>
-              <a:t>05/12/2021</a:t>
+              <a:t>06/12/2021</a:t>
             </a:fld>
             <a:endParaRPr lang="pt-BR" dirty="0"/>
           </a:p>
@@ -905,7 +907,7 @@
             <a:pPr rtl="0"/>
             <a:fld id="{AEFAF14B-66F0-4FA4-8E4E-9846E4033F51}" type="datetime1">
               <a:rPr lang="pt-BR" smtClean="0"/>
-              <a:t>05/12/2021</a:t>
+              <a:t>06/12/2021</a:t>
             </a:fld>
             <a:endParaRPr lang="pt-BR" dirty="0"/>
           </a:p>
@@ -1007,7 +1009,7 @@
             <a:pPr rtl="0"/>
             <a:fld id="{63155276-2114-4288-A537-379EA644CDBE}" type="slidenum">
               <a:rPr lang="pt-BR" smtClean="0"/>
-              <a:t>5</a:t>
+              <a:t>7</a:t>
             </a:fld>
             <a:endParaRPr lang="pt-BR" dirty="0"/>
           </a:p>
@@ -1037,7 +1039,7 @@
             <a:pPr rtl="0"/>
             <a:fld id="{F91317ED-6A91-4121-961B-1A9421EE5B1A}" type="datetime1">
               <a:rPr lang="pt-BR" smtClean="0"/>
-              <a:t>05/12/2021</a:t>
+              <a:t>06/12/2021</a:t>
             </a:fld>
             <a:endParaRPr lang="pt-BR" dirty="0"/>
           </a:p>
@@ -1122,7 +1124,7 @@
             <a:pPr rtl="0"/>
             <a:fld id="{FCC73610-CCBA-4806-B040-7AF4F8229BA0}" type="slidenum">
               <a:rPr lang="pt-BR" smtClean="0"/>
-              <a:t>11</a:t>
+              <a:t>13</a:t>
             </a:fld>
             <a:endParaRPr lang="pt-BR" dirty="0"/>
           </a:p>
@@ -1152,7 +1154,7 @@
             <a:pPr rtl="0"/>
             <a:fld id="{642AC050-7E75-4495-A90E-60B48FA8C143}" type="datetime1">
               <a:rPr lang="pt-BR" smtClean="0"/>
-              <a:t>05/12/2021</a:t>
+              <a:t>06/12/2021</a:t>
             </a:fld>
             <a:endParaRPr lang="pt-BR" dirty="0"/>
           </a:p>
@@ -13673,37 +13675,6 @@
       </p:sp>
       <p:sp>
         <p:nvSpPr>
-          <p:cNvPr id="9" name="Subtítulo 8">
-            <a:extLst>
-              <a:ext uri="{FF2B5EF4-FFF2-40B4-BE49-F238E27FC236}">
-                <a16:creationId xmlns:a16="http://schemas.microsoft.com/office/drawing/2014/main" id="{90F4C458-488B-4A00-BBE6-56D166E4C588}"/>
-              </a:ext>
-            </a:extLst>
-          </p:cNvPr>
-          <p:cNvSpPr>
-            <a:spLocks noGrp="1"/>
-          </p:cNvSpPr>
-          <p:nvPr>
-            <p:ph type="subTitle" idx="1"/>
-          </p:nvPr>
-        </p:nvSpPr>
-        <p:spPr>
-          <a:xfrm>
-            <a:off x="762000" y="4571999"/>
-            <a:ext cx="4572000" cy="1524000"/>
-          </a:xfrm>
-        </p:spPr>
-        <p:txBody>
-          <a:bodyPr rtlCol="0"/>
-          <a:lstStyle/>
-          <a:p>
-            <a:pPr rtl="0"/>
-            <a:endParaRPr lang="pt-BR" dirty="0"/>
-          </a:p>
-        </p:txBody>
-      </p:sp>
-      <p:sp>
-        <p:nvSpPr>
           <p:cNvPr id="50" name="Forma Livre: Forma 49">
             <a:extLst>
               <a:ext uri="{FF2B5EF4-FFF2-40B4-BE49-F238E27FC236}">
@@ -13923,10 +13894,10 @@
       </p:grpSpPr>
       <p:sp>
         <p:nvSpPr>
-          <p:cNvPr id="2" name="Título 1">
-            <a:extLst>
-              <a:ext uri="{FF2B5EF4-FFF2-40B4-BE49-F238E27FC236}">
-                <a16:creationId xmlns:a16="http://schemas.microsoft.com/office/drawing/2014/main" id="{B59992A4-6434-44C3-ABF9-12D9E3DCBE79}"/>
+          <p:cNvPr id="12" name="Título 11">
+            <a:extLst>
+              <a:ext uri="{FF2B5EF4-FFF2-40B4-BE49-F238E27FC236}">
+                <a16:creationId xmlns:a16="http://schemas.microsoft.com/office/drawing/2014/main" id="{D66DAC07-E75A-4734-B2FD-40A29CC0D317}"/>
               </a:ext>
             </a:extLst>
           </p:cNvPr>
@@ -13939,28 +13910,68 @@
         </p:nvSpPr>
         <p:spPr>
           <a:xfrm>
-            <a:off x="762000" y="762000"/>
-            <a:ext cx="10668000" cy="1524000"/>
+            <a:off x="751521" y="1732785"/>
+            <a:ext cx="5263199" cy="1524000"/>
           </a:xfrm>
         </p:spPr>
         <p:txBody>
-          <a:bodyPr rtlCol="0"/>
+          <a:bodyPr rtlCol="0">
+            <a:noAutofit/>
+          </a:bodyPr>
           <a:lstStyle/>
           <a:p>
             <a:pPr rtl="0"/>
             <a:r>
               <a:rPr lang="pt-BR" dirty="0"/>
-              <a:t>Vantagens do nosso serviço</a:t>
-            </a:r>
-          </a:p>
-        </p:txBody>
-      </p:sp>
-      <p:sp>
-        <p:nvSpPr>
-          <p:cNvPr id="7" name="Espaço Reservado para Data 6">
-            <a:extLst>
-              <a:ext uri="{FF2B5EF4-FFF2-40B4-BE49-F238E27FC236}">
-                <a16:creationId xmlns:a16="http://schemas.microsoft.com/office/drawing/2014/main" id="{E9FCF92C-2B0F-44DA-B4D4-F765728C2DBE}"/>
+              <a:t>Segurança digital</a:t>
+            </a:r>
+          </a:p>
+        </p:txBody>
+      </p:sp>
+      <p:sp>
+        <p:nvSpPr>
+          <p:cNvPr id="6" name="Espaço Reservado para Conteúdo 5">
+            <a:extLst>
+              <a:ext uri="{FF2B5EF4-FFF2-40B4-BE49-F238E27FC236}">
+                <a16:creationId xmlns:a16="http://schemas.microsoft.com/office/drawing/2014/main" id="{0097A08C-ABD3-463C-AAAE-350E636006C3}"/>
+              </a:ext>
+            </a:extLst>
+          </p:cNvPr>
+          <p:cNvSpPr>
+            <a:spLocks noGrp="1"/>
+          </p:cNvSpPr>
+          <p:nvPr>
+            <p:ph sz="quarter" idx="15"/>
+          </p:nvPr>
+        </p:nvSpPr>
+        <p:spPr>
+          <a:xfrm>
+            <a:off x="751521" y="3269458"/>
+            <a:ext cx="5344477" cy="3092449"/>
+          </a:xfrm>
+        </p:spPr>
+        <p:txBody>
+          <a:bodyPr rtlCol="0" anchor="ctr" anchorCtr="0"/>
+          <a:lstStyle/>
+          <a:p>
+            <a:pPr rtl="0"/>
+            <a:r>
+              <a:rPr lang="pt-BR"/>
+              <a:t>Walt Disney</a:t>
+            </a:r>
+          </a:p>
+          <a:p>
+            <a:pPr rtl="0"/>
+            <a:endParaRPr lang="pt-BR" dirty="0"/>
+          </a:p>
+        </p:txBody>
+      </p:sp>
+      <p:sp>
+        <p:nvSpPr>
+          <p:cNvPr id="2" name="Espaço Reservado para Data 1">
+            <a:extLst>
+              <a:ext uri="{FF2B5EF4-FFF2-40B4-BE49-F238E27FC236}">
+                <a16:creationId xmlns:a16="http://schemas.microsoft.com/office/drawing/2014/main" id="{ABB59987-20C7-44CA-B0D1-D87A45033937}"/>
               </a:ext>
             </a:extLst>
           </p:cNvPr>
@@ -13990,246 +14001,80 @@
           </a:p>
         </p:txBody>
       </p:sp>
-      <p:sp>
-        <p:nvSpPr>
-          <p:cNvPr id="3" name="Espaço Reservado para Texto 2">
-            <a:extLst>
-              <a:ext uri="{FF2B5EF4-FFF2-40B4-BE49-F238E27FC236}">
-                <a16:creationId xmlns:a16="http://schemas.microsoft.com/office/drawing/2014/main" id="{EC236781-A093-417B-B5C4-87EC3DB64916}"/>
-              </a:ext>
-            </a:extLst>
-          </p:cNvPr>
-          <p:cNvSpPr>
-            <a:spLocks noGrp="1"/>
-          </p:cNvSpPr>
-          <p:nvPr>
-            <p:ph type="body" idx="1"/>
-          </p:nvPr>
-        </p:nvSpPr>
+      <p:pic>
+        <p:nvPicPr>
+          <p:cNvPr id="14" name="Espaço Reservado para Imagem 13" descr="Barista derramando espuma de leite no café">
+            <a:extLst>
+              <a:ext uri="{FF2B5EF4-FFF2-40B4-BE49-F238E27FC236}">
+                <a16:creationId xmlns:a16="http://schemas.microsoft.com/office/drawing/2014/main" id="{971D22D0-EEF4-49B5-9AA4-005141F0ED0F}"/>
+              </a:ext>
+            </a:extLst>
+          </p:cNvPr>
+          <p:cNvPicPr>
+            <a:picLocks noGrp="1" noChangeAspect="1"/>
+          </p:cNvPicPr>
+          <p:nvPr>
+            <p:ph type="pic" sz="quarter" idx="13"/>
+          </p:nvPr>
+        </p:nvPicPr>
+        <p:blipFill rotWithShape="1">
+          <a:blip r:embed="rId2" cstate="screen">
+            <a:extLst>
+              <a:ext uri="{28A0092B-C50C-407E-A947-70E740481C1C}">
+                <a14:useLocalDpi xmlns:a14="http://schemas.microsoft.com/office/drawing/2010/main" val="0"/>
+              </a:ext>
+            </a:extLst>
+          </a:blip>
+          <a:srcRect/>
+          <a:stretch/>
+        </p:blipFill>
         <p:spPr>
           <a:xfrm>
-            <a:off x="762000" y="2285999"/>
-            <a:ext cx="5151119" cy="761999"/>
+            <a:off x="6435910" y="1"/>
+            <a:ext cx="5756090" cy="3960681"/>
           </a:xfrm>
         </p:spPr>
-        <p:txBody>
-          <a:bodyPr rtlCol="0"/>
-          <a:lstStyle/>
-          <a:p>
-            <a:pPr rtl="0"/>
-            <a:r>
-              <a:rPr lang="pt-BR"/>
-              <a:t>Subtítulo</a:t>
-            </a:r>
-          </a:p>
-        </p:txBody>
-      </p:sp>
-      <p:sp>
-        <p:nvSpPr>
-          <p:cNvPr id="4" name="Espaço Reservado para Conteúdo 3">
-            <a:extLst>
-              <a:ext uri="{FF2B5EF4-FFF2-40B4-BE49-F238E27FC236}">
-                <a16:creationId xmlns:a16="http://schemas.microsoft.com/office/drawing/2014/main" id="{2326ABD5-9168-4579-AB2A-851B6605C85F}"/>
-              </a:ext>
-            </a:extLst>
-          </p:cNvPr>
-          <p:cNvSpPr>
-            <a:spLocks noGrp="1"/>
-          </p:cNvSpPr>
-          <p:nvPr>
-            <p:ph sz="half" idx="2"/>
-          </p:nvPr>
-        </p:nvSpPr>
+      </p:pic>
+      <p:pic>
+        <p:nvPicPr>
+          <p:cNvPr id="16" name="Espaço Reservado para Imagem 15" descr="Grãos de Café">
+            <a:extLst>
+              <a:ext uri="{FF2B5EF4-FFF2-40B4-BE49-F238E27FC236}">
+                <a16:creationId xmlns:a16="http://schemas.microsoft.com/office/drawing/2014/main" id="{B5CEF503-B56A-4BFB-9020-F19AB6AEE4A2}"/>
+              </a:ext>
+            </a:extLst>
+          </p:cNvPr>
+          <p:cNvPicPr>
+            <a:picLocks noGrp="1" noChangeAspect="1"/>
+          </p:cNvPicPr>
+          <p:nvPr>
+            <p:ph type="pic" sz="quarter" idx="14"/>
+          </p:nvPr>
+        </p:nvPicPr>
+        <p:blipFill rotWithShape="1">
+          <a:blip r:embed="rId3" cstate="screen">
+            <a:extLst>
+              <a:ext uri="{28A0092B-C50C-407E-A947-70E740481C1C}">
+                <a14:useLocalDpi xmlns:a14="http://schemas.microsoft.com/office/drawing/2010/main" val="0"/>
+              </a:ext>
+            </a:extLst>
+          </a:blip>
+          <a:srcRect/>
+          <a:stretch/>
+        </p:blipFill>
         <p:spPr>
           <a:xfrm>
-            <a:off x="762000" y="3048000"/>
-            <a:ext cx="5151119" cy="3048000"/>
+            <a:off x="3028871" y="4949374"/>
+            <a:ext cx="5796193" cy="1908627"/>
           </a:xfrm>
         </p:spPr>
-        <p:txBody>
-          <a:bodyPr rtlCol="0">
-            <a:normAutofit/>
-          </a:bodyPr>
-          <a:lstStyle/>
-          <a:p>
-            <a:pPr rtl="0"/>
-            <a:r>
-              <a:rPr lang="pt-BR" dirty="0"/>
-              <a:t>Adicione texto, imagens, arte e vídeos.</a:t>
-            </a:r>
-          </a:p>
-          <a:p>
-            <a:pPr rtl="0"/>
-            <a:r>
-              <a:rPr lang="pt-BR" dirty="0"/>
-              <a:t>Adicione transições, animações e movimentos.</a:t>
-            </a:r>
-          </a:p>
-          <a:p>
-            <a:pPr rtl="0"/>
-            <a:r>
-              <a:rPr lang="pt-BR" dirty="0"/>
-              <a:t>Salve no OneDrive para acessar suas apresentações no computador, tablet ou celular.</a:t>
-            </a:r>
-          </a:p>
-          <a:p>
-            <a:pPr rtl="0"/>
-            <a:r>
-              <a:rPr lang="pt-BR" dirty="0"/>
-              <a:t>Adicione texto, imagens, arte e vídeos.</a:t>
-            </a:r>
-          </a:p>
-          <a:p>
-            <a:pPr rtl="0"/>
-            <a:r>
-              <a:rPr lang="pt-BR" dirty="0"/>
-              <a:t>Adicione transições, animações e movimentos.</a:t>
-            </a:r>
-          </a:p>
-        </p:txBody>
-      </p:sp>
-      <p:sp>
-        <p:nvSpPr>
-          <p:cNvPr id="5" name="Espaço Reservado para Texto 4">
-            <a:extLst>
-              <a:ext uri="{FF2B5EF4-FFF2-40B4-BE49-F238E27FC236}">
-                <a16:creationId xmlns:a16="http://schemas.microsoft.com/office/drawing/2014/main" id="{E4348A3D-676E-4B0D-946B-E4C193C32CCB}"/>
-              </a:ext>
-            </a:extLst>
-          </p:cNvPr>
-          <p:cNvSpPr>
-            <a:spLocks noGrp="1"/>
-          </p:cNvSpPr>
-          <p:nvPr>
-            <p:ph type="body" sz="quarter" idx="3"/>
-          </p:nvPr>
-        </p:nvSpPr>
-        <p:spPr>
-          <a:xfrm>
-            <a:off x="6278878" y="2286000"/>
-            <a:ext cx="5151122" cy="761999"/>
-          </a:xfrm>
-        </p:spPr>
-        <p:txBody>
-          <a:bodyPr rtlCol="0"/>
-          <a:lstStyle/>
-          <a:p>
-            <a:pPr rtl="0"/>
-            <a:r>
-              <a:rPr lang="pt-BR"/>
-              <a:t>Subtítulo</a:t>
-            </a:r>
-          </a:p>
-        </p:txBody>
-      </p:sp>
-      <p:sp>
-        <p:nvSpPr>
-          <p:cNvPr id="6" name="Espaço Reservado para Conteúdo 5">
-            <a:extLst>
-              <a:ext uri="{FF2B5EF4-FFF2-40B4-BE49-F238E27FC236}">
-                <a16:creationId xmlns:a16="http://schemas.microsoft.com/office/drawing/2014/main" id="{56B0D7BF-989E-4111-9041-3AA7A59622D7}"/>
-              </a:ext>
-            </a:extLst>
-          </p:cNvPr>
-          <p:cNvSpPr>
-            <a:spLocks noGrp="1"/>
-          </p:cNvSpPr>
-          <p:nvPr>
-            <p:ph sz="quarter" idx="4"/>
-          </p:nvPr>
-        </p:nvSpPr>
-        <p:spPr>
-          <a:xfrm>
-            <a:off x="6278878" y="3048000"/>
-            <a:ext cx="5151122" cy="3048000"/>
-          </a:xfrm>
-        </p:spPr>
-        <p:txBody>
-          <a:bodyPr rtlCol="0">
-            <a:normAutofit/>
-          </a:bodyPr>
-          <a:lstStyle/>
-          <a:p>
-            <a:pPr rtl="0"/>
-            <a:r>
-              <a:rPr lang="pt-BR"/>
-              <a:t>Adicione texto, imagens, arte e vídeos.</a:t>
-            </a:r>
-          </a:p>
-          <a:p>
-            <a:pPr rtl="0"/>
-            <a:r>
-              <a:rPr lang="pt-BR"/>
-              <a:t>Adicione transições, animações e movimentos.</a:t>
-            </a:r>
-          </a:p>
-          <a:p>
-            <a:pPr rtl="0"/>
-            <a:r>
-              <a:rPr lang="pt-BR"/>
-              <a:t>Salve no OneDrive para acessar suas apresentações no computador, tablet ou celular.</a:t>
-            </a:r>
-          </a:p>
-          <a:p>
-            <a:pPr rtl="0"/>
-            <a:r>
-              <a:rPr lang="pt-BR"/>
-              <a:t>Adicione texto, imagens, arte e vídeos.</a:t>
-            </a:r>
-          </a:p>
-          <a:p>
-            <a:pPr rtl="0"/>
-            <a:r>
-              <a:rPr lang="pt-BR"/>
-              <a:t>Adicione transições, animações e movimentos.</a:t>
-            </a:r>
-          </a:p>
-          <a:p>
-            <a:pPr rtl="0"/>
-            <a:endParaRPr lang="pt-BR" dirty="0"/>
-          </a:p>
-        </p:txBody>
-      </p:sp>
-      <p:sp>
-        <p:nvSpPr>
-          <p:cNvPr id="8" name="Espaço Reservado para Rodapé 7">
-            <a:extLst>
-              <a:ext uri="{FF2B5EF4-FFF2-40B4-BE49-F238E27FC236}">
-                <a16:creationId xmlns:a16="http://schemas.microsoft.com/office/drawing/2014/main" id="{07C2165F-5D24-49DE-9F0D-F6D76070AAAD}"/>
-              </a:ext>
-            </a:extLst>
-          </p:cNvPr>
-          <p:cNvSpPr>
-            <a:spLocks noGrp="1"/>
-          </p:cNvSpPr>
-          <p:nvPr>
-            <p:ph type="ftr" sz="quarter" idx="11"/>
-          </p:nvPr>
-        </p:nvSpPr>
-        <p:spPr>
-          <a:xfrm>
-            <a:off x="761999" y="6356350"/>
-            <a:ext cx="6612835" cy="365125"/>
-          </a:xfrm>
-        </p:spPr>
-        <p:txBody>
-          <a:bodyPr rtlCol="0"/>
-          <a:lstStyle/>
-          <a:p>
-            <a:pPr rtl="0"/>
-            <a:r>
-              <a:rPr lang="pt-BR"/>
-              <a:t>Amostra de Texto de Rodapé</a:t>
-            </a:r>
-          </a:p>
-        </p:txBody>
-      </p:sp>
-      <p:sp>
-        <p:nvSpPr>
-          <p:cNvPr id="9" name="Espaço Reservado para o Número do Slide 8">
-            <a:extLst>
-              <a:ext uri="{FF2B5EF4-FFF2-40B4-BE49-F238E27FC236}">
-                <a16:creationId xmlns:a16="http://schemas.microsoft.com/office/drawing/2014/main" id="{895C6061-88FC-4981-A127-DF7D7EACB748}"/>
+      </p:pic>
+      <p:sp>
+        <p:nvSpPr>
+          <p:cNvPr id="4" name="Espaço Reservado para o Número do Slide 3">
+            <a:extLst>
+              <a:ext uri="{FF2B5EF4-FFF2-40B4-BE49-F238E27FC236}">
+                <a16:creationId xmlns:a16="http://schemas.microsoft.com/office/drawing/2014/main" id="{3ECAC315-D873-41E8-BB24-C4382A056CAF}"/>
               </a:ext>
             </a:extLst>
           </p:cNvPr>
@@ -14260,10 +14105,197 @@
           </a:p>
         </p:txBody>
       </p:sp>
+      <p:sp>
+        <p:nvSpPr>
+          <p:cNvPr id="58" name="Forma Livre: Forma 57">
+            <a:extLst>
+              <a:ext uri="{FF2B5EF4-FFF2-40B4-BE49-F238E27FC236}">
+                <a16:creationId xmlns:a16="http://schemas.microsoft.com/office/drawing/2014/main" id="{2E15A2B6-8566-44EC-A8C8-8A72969118F9}"/>
+              </a:ext>
+              <a:ext uri="{C183D7F6-B498-43B3-948B-1728B52AA6E4}">
+                <adec:decorative xmlns:adec="http://schemas.microsoft.com/office/drawing/2017/decorative" val="1"/>
+              </a:ext>
+            </a:extLst>
+          </p:cNvPr>
+          <p:cNvSpPr/>
+          <p:nvPr/>
+        </p:nvSpPr>
+        <p:spPr>
+          <a:xfrm>
+            <a:off x="6674051" y="-22158"/>
+            <a:ext cx="5517949" cy="4594156"/>
+          </a:xfrm>
+          <a:custGeom>
+            <a:avLst/>
+            <a:gdLst>
+              <a:gd name="connsiteX0" fmla="*/ 0 w 5756090"/>
+              <a:gd name="connsiteY0" fmla="*/ 0 h 3960681"/>
+              <a:gd name="connsiteX1" fmla="*/ 5756090 w 5756090"/>
+              <a:gd name="connsiteY1" fmla="*/ 0 h 3960681"/>
+              <a:gd name="connsiteX2" fmla="*/ 5756090 w 5756090"/>
+              <a:gd name="connsiteY2" fmla="*/ 3463038 h 3960681"/>
+              <a:gd name="connsiteX3" fmla="*/ 5558511 w 5756090"/>
+              <a:gd name="connsiteY3" fmla="*/ 3561320 h 3960681"/>
+              <a:gd name="connsiteX4" fmla="*/ 3480391 w 5756090"/>
+              <a:gd name="connsiteY4" fmla="*/ 3940416 h 3960681"/>
+              <a:gd name="connsiteX5" fmla="*/ 1605774 w 5756090"/>
+              <a:gd name="connsiteY5" fmla="*/ 2854397 h 3960681"/>
+              <a:gd name="connsiteX6" fmla="*/ 74389 w 5756090"/>
+              <a:gd name="connsiteY6" fmla="*/ 325223 h 3960681"/>
+              <a:gd name="connsiteX7" fmla="*/ 16895 w 5756090"/>
+              <a:gd name="connsiteY7" fmla="*/ 104576 h 3960681"/>
+              <a:gd name="connsiteX0" fmla="*/ 5739463 w 5739463"/>
+              <a:gd name="connsiteY0" fmla="*/ 0 h 3960681"/>
+              <a:gd name="connsiteX1" fmla="*/ 5739463 w 5739463"/>
+              <a:gd name="connsiteY1" fmla="*/ 3463038 h 3960681"/>
+              <a:gd name="connsiteX2" fmla="*/ 5541884 w 5739463"/>
+              <a:gd name="connsiteY2" fmla="*/ 3561320 h 3960681"/>
+              <a:gd name="connsiteX3" fmla="*/ 3463764 w 5739463"/>
+              <a:gd name="connsiteY3" fmla="*/ 3940416 h 3960681"/>
+              <a:gd name="connsiteX4" fmla="*/ 1589147 w 5739463"/>
+              <a:gd name="connsiteY4" fmla="*/ 2854397 h 3960681"/>
+              <a:gd name="connsiteX5" fmla="*/ 57762 w 5739463"/>
+              <a:gd name="connsiteY5" fmla="*/ 325223 h 3960681"/>
+              <a:gd name="connsiteX6" fmla="*/ 268 w 5739463"/>
+              <a:gd name="connsiteY6" fmla="*/ 104576 h 3960681"/>
+              <a:gd name="connsiteX7" fmla="*/ 79475 w 5739463"/>
+              <a:gd name="connsiteY7" fmla="*/ 79214 h 3960681"/>
+              <a:gd name="connsiteX0" fmla="*/ 5739195 w 5739195"/>
+              <a:gd name="connsiteY0" fmla="*/ 0 h 3960681"/>
+              <a:gd name="connsiteX1" fmla="*/ 5739195 w 5739195"/>
+              <a:gd name="connsiteY1" fmla="*/ 3463038 h 3960681"/>
+              <a:gd name="connsiteX2" fmla="*/ 5541616 w 5739195"/>
+              <a:gd name="connsiteY2" fmla="*/ 3561320 h 3960681"/>
+              <a:gd name="connsiteX3" fmla="*/ 3463496 w 5739195"/>
+              <a:gd name="connsiteY3" fmla="*/ 3940416 h 3960681"/>
+              <a:gd name="connsiteX4" fmla="*/ 1588879 w 5739195"/>
+              <a:gd name="connsiteY4" fmla="*/ 2854397 h 3960681"/>
+              <a:gd name="connsiteX5" fmla="*/ 57494 w 5739195"/>
+              <a:gd name="connsiteY5" fmla="*/ 325223 h 3960681"/>
+              <a:gd name="connsiteX6" fmla="*/ 0 w 5739195"/>
+              <a:gd name="connsiteY6" fmla="*/ 104576 h 3960681"/>
+              <a:gd name="connsiteX0" fmla="*/ 5739195 w 5739195"/>
+              <a:gd name="connsiteY0" fmla="*/ 3358462 h 3856105"/>
+              <a:gd name="connsiteX1" fmla="*/ 5541616 w 5739195"/>
+              <a:gd name="connsiteY1" fmla="*/ 3456744 h 3856105"/>
+              <a:gd name="connsiteX2" fmla="*/ 3463496 w 5739195"/>
+              <a:gd name="connsiteY2" fmla="*/ 3835840 h 3856105"/>
+              <a:gd name="connsiteX3" fmla="*/ 1588879 w 5739195"/>
+              <a:gd name="connsiteY3" fmla="*/ 2749821 h 3856105"/>
+              <a:gd name="connsiteX4" fmla="*/ 57494 w 5739195"/>
+              <a:gd name="connsiteY4" fmla="*/ 220647 h 3856105"/>
+              <a:gd name="connsiteX5" fmla="*/ 0 w 5739195"/>
+              <a:gd name="connsiteY5" fmla="*/ 0 h 3856105"/>
+              <a:gd name="connsiteX0" fmla="*/ 5799259 w 5799259"/>
+              <a:gd name="connsiteY0" fmla="*/ 3482233 h 3979876"/>
+              <a:gd name="connsiteX1" fmla="*/ 5601680 w 5799259"/>
+              <a:gd name="connsiteY1" fmla="*/ 3580515 h 3979876"/>
+              <a:gd name="connsiteX2" fmla="*/ 3523560 w 5799259"/>
+              <a:gd name="connsiteY2" fmla="*/ 3959611 h 3979876"/>
+              <a:gd name="connsiteX3" fmla="*/ 1648943 w 5799259"/>
+              <a:gd name="connsiteY3" fmla="*/ 2873592 h 3979876"/>
+              <a:gd name="connsiteX4" fmla="*/ 117558 w 5799259"/>
+              <a:gd name="connsiteY4" fmla="*/ 344418 h 3979876"/>
+              <a:gd name="connsiteX5" fmla="*/ 0 w 5799259"/>
+              <a:gd name="connsiteY5" fmla="*/ 0 h 3979876"/>
+            </a:gdLst>
+            <a:ahLst/>
+            <a:cxnLst>
+              <a:cxn ang="0">
+                <a:pos x="connsiteX0" y="connsiteY0"/>
+              </a:cxn>
+              <a:cxn ang="0">
+                <a:pos x="connsiteX1" y="connsiteY1"/>
+              </a:cxn>
+              <a:cxn ang="0">
+                <a:pos x="connsiteX2" y="connsiteY2"/>
+              </a:cxn>
+              <a:cxn ang="0">
+                <a:pos x="connsiteX3" y="connsiteY3"/>
+              </a:cxn>
+              <a:cxn ang="0">
+                <a:pos x="connsiteX4" y="connsiteY4"/>
+              </a:cxn>
+              <a:cxn ang="0">
+                <a:pos x="connsiteX5" y="connsiteY5"/>
+              </a:cxn>
+            </a:cxnLst>
+            <a:rect l="l" t="t" r="r" b="b"/>
+            <a:pathLst>
+              <a:path w="5799259" h="3979876">
+                <a:moveTo>
+                  <a:pt x="5799259" y="3482233"/>
+                </a:moveTo>
+                <a:lnTo>
+                  <a:pt x="5601680" y="3580515"/>
+                </a:lnTo>
+                <a:cubicBezTo>
+                  <a:pt x="4922508" y="3893723"/>
+                  <a:pt x="4146966" y="4035971"/>
+                  <a:pt x="3523560" y="3959611"/>
+                </a:cubicBezTo>
+                <a:cubicBezTo>
+                  <a:pt x="2795137" y="3870656"/>
+                  <a:pt x="2146179" y="3429872"/>
+                  <a:pt x="1648943" y="2873592"/>
+                </a:cubicBezTo>
+                <a:cubicBezTo>
+                  <a:pt x="1321865" y="2507432"/>
+                  <a:pt x="420219" y="1339817"/>
+                  <a:pt x="117558" y="344418"/>
+                </a:cubicBezTo>
+                <a:cubicBezTo>
+                  <a:pt x="94859" y="269763"/>
+                  <a:pt x="15466" y="72306"/>
+                  <a:pt x="0" y="0"/>
+                </a:cubicBezTo>
+              </a:path>
+            </a:pathLst>
+          </a:custGeom>
+          <a:noFill/>
+          <a:ln w="19050">
+            <a:solidFill>
+              <a:schemeClr val="accent2">
+                <a:lumMod val="60000"/>
+                <a:lumOff val="40000"/>
+              </a:schemeClr>
+            </a:solidFill>
+          </a:ln>
+        </p:spPr>
+        <p:style>
+          <a:lnRef idx="2">
+            <a:schemeClr val="accent1">
+              <a:shade val="50000"/>
+            </a:schemeClr>
+          </a:lnRef>
+          <a:fillRef idx="1">
+            <a:schemeClr val="accent1"/>
+          </a:fillRef>
+          <a:effectRef idx="0">
+            <a:schemeClr val="accent1"/>
+          </a:effectRef>
+          <a:fontRef idx="minor">
+            <a:schemeClr val="lt1"/>
+          </a:fontRef>
+        </p:style>
+        <p:txBody>
+          <a:bodyPr rtlCol="0" anchor="ctr"/>
+          <a:lstStyle/>
+          <a:p>
+            <a:pPr algn="ctr" rtl="0"/>
+            <a:endParaRPr lang="pt-BR" dirty="0">
+              <a:solidFill>
+                <a:prstClr val="white"/>
+              </a:solidFill>
+              <a:latin typeface="Avenir Next LT Pro Light"/>
+            </a:endParaRPr>
+          </a:p>
+        </p:txBody>
+      </p:sp>
     </p:spTree>
     <p:extLst>
       <p:ext uri="{BB962C8B-B14F-4D97-AF65-F5344CB8AC3E}">
-        <p14:creationId xmlns:p14="http://schemas.microsoft.com/office/powerpoint/2010/main" val="978570224"/>
+        <p14:creationId xmlns:p14="http://schemas.microsoft.com/office/powerpoint/2010/main" val="2847659137"/>
       </p:ext>
     </p:extLst>
   </p:cSld>
@@ -14292,10 +14324,10 @@
       </p:grpSpPr>
       <p:sp>
         <p:nvSpPr>
-          <p:cNvPr id="17" name="Título 16">
-            <a:extLst>
-              <a:ext uri="{FF2B5EF4-FFF2-40B4-BE49-F238E27FC236}">
-                <a16:creationId xmlns:a16="http://schemas.microsoft.com/office/drawing/2014/main" id="{B55DC249-DAF2-476A-9399-94FABA38004E}"/>
+          <p:cNvPr id="6" name="Título 5">
+            <a:extLst>
+              <a:ext uri="{FF2B5EF4-FFF2-40B4-BE49-F238E27FC236}">
+                <a16:creationId xmlns:a16="http://schemas.microsoft.com/office/drawing/2014/main" id="{191067B3-777C-430E-B0BE-B532F38EAF33}"/>
               </a:ext>
             </a:extLst>
           </p:cNvPr>
@@ -14308,8 +14340,8 @@
         </p:nvSpPr>
         <p:spPr>
           <a:xfrm>
-            <a:off x="758953" y="765930"/>
-            <a:ext cx="10000488" cy="1345269"/>
+            <a:off x="762000" y="762000"/>
+            <a:ext cx="10668000" cy="1524000"/>
           </a:xfrm>
         </p:spPr>
         <p:txBody>
@@ -14318,495 +14350,18 @@
           <a:p>
             <a:pPr rtl="0"/>
             <a:r>
-              <a:rPr lang="pt-BR"/>
-              <a:t>Equipe</a:t>
-            </a:r>
-          </a:p>
-        </p:txBody>
-      </p:sp>
-      <p:sp>
-        <p:nvSpPr>
-          <p:cNvPr id="2" name="Espaço Reservado para Data 1">
-            <a:extLst>
-              <a:ext uri="{FF2B5EF4-FFF2-40B4-BE49-F238E27FC236}">
-                <a16:creationId xmlns:a16="http://schemas.microsoft.com/office/drawing/2014/main" id="{45E8B76F-8127-45E6-9DC2-D03A2DDF0056}"/>
-              </a:ext>
-            </a:extLst>
-          </p:cNvPr>
-          <p:cNvSpPr>
-            <a:spLocks noGrp="1"/>
-          </p:cNvSpPr>
-          <p:nvPr>
-            <p:ph type="dt" sz="half" idx="10"/>
-          </p:nvPr>
-        </p:nvSpPr>
-        <p:spPr>
-          <a:xfrm>
-            <a:off x="9389165" y="194320"/>
-            <a:ext cx="2040835" cy="365125"/>
-          </a:xfrm>
-        </p:spPr>
-        <p:txBody>
-          <a:bodyPr rtlCol="0"/>
-          <a:lstStyle/>
-          <a:p>
-            <a:pPr rtl="0"/>
-            <a:r>
-              <a:rPr lang="pt-BR"/>
-              <a:t>01/02/20XX</a:t>
-            </a:r>
-            <a:endParaRPr lang="pt-BR" dirty="0"/>
-          </a:p>
-        </p:txBody>
-      </p:sp>
-      <p:pic>
-        <p:nvPicPr>
-          <p:cNvPr id="19" name="Espaço Reservado para Imagem 18" descr="Uma pessoa sorrindo para a câmera, homem, captura de tela do escritório">
-            <a:extLst>
-              <a:ext uri="{FF2B5EF4-FFF2-40B4-BE49-F238E27FC236}">
-                <a16:creationId xmlns:a16="http://schemas.microsoft.com/office/drawing/2014/main" id="{822BC79C-2547-4426-A801-DF4B5DA5DF10}"/>
-              </a:ext>
-            </a:extLst>
-          </p:cNvPr>
-          <p:cNvPicPr>
-            <a:picLocks noGrp="1" noChangeAspect="1"/>
-          </p:cNvPicPr>
-          <p:nvPr>
-            <p:ph type="pic" sz="quarter" idx="13"/>
-          </p:nvPr>
-        </p:nvPicPr>
-        <p:blipFill rotWithShape="1">
-          <a:blip r:embed="rId3" cstate="screen">
-            <a:extLst>
-              <a:ext uri="{28A0092B-C50C-407E-A947-70E740481C1C}">
-                <a14:useLocalDpi xmlns:a14="http://schemas.microsoft.com/office/drawing/2010/main" val="0"/>
-              </a:ext>
-            </a:extLst>
-          </a:blip>
-          <a:srcRect/>
-          <a:stretch/>
-        </p:blipFill>
-        <p:spPr>
-          <a:xfrm>
-            <a:off x="1119304" y="2388000"/>
-            <a:ext cx="1841341" cy="1951895"/>
-          </a:xfrm>
-        </p:spPr>
-      </p:pic>
-      <p:sp>
-        <p:nvSpPr>
-          <p:cNvPr id="9" name="Espaço Reservado para Texto 8">
-            <a:extLst>
-              <a:ext uri="{FF2B5EF4-FFF2-40B4-BE49-F238E27FC236}">
-                <a16:creationId xmlns:a16="http://schemas.microsoft.com/office/drawing/2014/main" id="{983AC726-0CA1-4F57-9B0C-00BB0450A767}"/>
-              </a:ext>
-            </a:extLst>
-          </p:cNvPr>
-          <p:cNvSpPr>
-            <a:spLocks noGrp="1"/>
-          </p:cNvSpPr>
-          <p:nvPr>
-            <p:ph type="body" sz="quarter" idx="17"/>
-          </p:nvPr>
-        </p:nvSpPr>
-        <p:spPr>
-          <a:xfrm>
-            <a:off x="918070" y="4735308"/>
-            <a:ext cx="2299136" cy="560592"/>
-          </a:xfrm>
-        </p:spPr>
-        <p:txBody>
-          <a:bodyPr rtlCol="0"/>
-          <a:lstStyle/>
-          <a:p>
-            <a:pPr rtl="0"/>
-            <a:r>
-              <a:rPr lang="pt-BR"/>
-              <a:t>Nome</a:t>
-            </a:r>
-          </a:p>
-        </p:txBody>
-      </p:sp>
-      <p:sp>
-        <p:nvSpPr>
-          <p:cNvPr id="13" name="Espaço Reservado para Texto 12">
-            <a:extLst>
-              <a:ext uri="{FF2B5EF4-FFF2-40B4-BE49-F238E27FC236}">
-                <a16:creationId xmlns:a16="http://schemas.microsoft.com/office/drawing/2014/main" id="{F5CA9998-C297-4F3B-A271-630E530EBD55}"/>
-              </a:ext>
-            </a:extLst>
-          </p:cNvPr>
-          <p:cNvSpPr>
-            <a:spLocks noGrp="1"/>
-          </p:cNvSpPr>
-          <p:nvPr>
-            <p:ph type="body" sz="quarter" idx="21"/>
-          </p:nvPr>
-        </p:nvSpPr>
-        <p:spPr>
-          <a:xfrm>
-            <a:off x="890978" y="5312140"/>
-            <a:ext cx="2299136" cy="602885"/>
-          </a:xfrm>
-        </p:spPr>
-        <p:txBody>
-          <a:bodyPr rtlCol="0"/>
-          <a:lstStyle/>
-          <a:p>
-            <a:pPr rtl="0"/>
-            <a:r>
-              <a:rPr lang="pt-BR"/>
-              <a:t>Título</a:t>
-            </a:r>
-          </a:p>
-        </p:txBody>
-      </p:sp>
-      <p:pic>
-        <p:nvPicPr>
-          <p:cNvPr id="21" name="Espaço Reservado para Imagem 20" descr="Uma pessoa sorrindo para a câmera, moça, captura de tela do escritório">
-            <a:extLst>
-              <a:ext uri="{FF2B5EF4-FFF2-40B4-BE49-F238E27FC236}">
-                <a16:creationId xmlns:a16="http://schemas.microsoft.com/office/drawing/2014/main" id="{A713DC34-F1E8-4E56-9A2D-3B1E0DF48D6F}"/>
-              </a:ext>
-            </a:extLst>
-          </p:cNvPr>
-          <p:cNvPicPr>
-            <a:picLocks noGrp="1" noChangeAspect="1"/>
-          </p:cNvPicPr>
-          <p:nvPr>
-            <p:ph type="pic" sz="quarter" idx="14"/>
-          </p:nvPr>
-        </p:nvPicPr>
-        <p:blipFill rotWithShape="1">
-          <a:blip r:embed="rId4" cstate="screen">
-            <a:extLst>
-              <a:ext uri="{28A0092B-C50C-407E-A947-70E740481C1C}">
-                <a14:useLocalDpi xmlns:a14="http://schemas.microsoft.com/office/drawing/2010/main" val="0"/>
-              </a:ext>
-            </a:extLst>
-          </a:blip>
-          <a:srcRect/>
-          <a:stretch/>
-        </p:blipFill>
-        <p:spPr>
-          <a:xfrm>
-            <a:off x="3673803" y="2374487"/>
-            <a:ext cx="1927641" cy="1862790"/>
-          </a:xfrm>
-        </p:spPr>
-      </p:pic>
-      <p:sp>
-        <p:nvSpPr>
-          <p:cNvPr id="10" name="Espaço Reservado para Texto 9">
-            <a:extLst>
-              <a:ext uri="{FF2B5EF4-FFF2-40B4-BE49-F238E27FC236}">
-                <a16:creationId xmlns:a16="http://schemas.microsoft.com/office/drawing/2014/main" id="{8F497F6E-BFDA-497C-9B5A-A7F23AB1DA1F}"/>
-              </a:ext>
-            </a:extLst>
-          </p:cNvPr>
-          <p:cNvSpPr>
-            <a:spLocks noGrp="1"/>
-          </p:cNvSpPr>
-          <p:nvPr>
-            <p:ph type="body" sz="quarter" idx="18"/>
-          </p:nvPr>
-        </p:nvSpPr>
-        <p:spPr>
-          <a:xfrm>
-            <a:off x="3545285" y="4735308"/>
-            <a:ext cx="2299136" cy="697664"/>
-          </a:xfrm>
-        </p:spPr>
-        <p:txBody>
-          <a:bodyPr rtlCol="0"/>
-          <a:lstStyle/>
-          <a:p>
-            <a:pPr rtl="0"/>
-            <a:r>
-              <a:rPr lang="pt-BR"/>
-              <a:t>Nome</a:t>
-            </a:r>
-          </a:p>
-        </p:txBody>
-      </p:sp>
-      <p:sp>
-        <p:nvSpPr>
-          <p:cNvPr id="14" name="Espaço Reservado para Texto 13">
-            <a:extLst>
-              <a:ext uri="{FF2B5EF4-FFF2-40B4-BE49-F238E27FC236}">
-                <a16:creationId xmlns:a16="http://schemas.microsoft.com/office/drawing/2014/main" id="{E88650AA-D55C-4594-89E5-50D760ABD146}"/>
-              </a:ext>
-            </a:extLst>
-          </p:cNvPr>
-          <p:cNvSpPr>
-            <a:spLocks noGrp="1"/>
-          </p:cNvSpPr>
-          <p:nvPr>
-            <p:ph type="body" sz="quarter" idx="22"/>
-          </p:nvPr>
-        </p:nvSpPr>
-        <p:spPr>
-          <a:xfrm>
-            <a:off x="3518193" y="5312140"/>
-            <a:ext cx="2299136" cy="602885"/>
-          </a:xfrm>
-        </p:spPr>
-        <p:txBody>
-          <a:bodyPr rtlCol="0"/>
-          <a:lstStyle/>
-          <a:p>
-            <a:pPr rtl="0"/>
-            <a:r>
-              <a:rPr lang="pt-BR"/>
-              <a:t>Título</a:t>
-            </a:r>
-          </a:p>
-        </p:txBody>
-      </p:sp>
-      <p:pic>
-        <p:nvPicPr>
-          <p:cNvPr id="23" name="Espaço Reservado para Imagem 22" descr="Uma pessoa sorrindo para a câmera, moça, captura de tela do escritório">
-            <a:extLst>
-              <a:ext uri="{FF2B5EF4-FFF2-40B4-BE49-F238E27FC236}">
-                <a16:creationId xmlns:a16="http://schemas.microsoft.com/office/drawing/2014/main" id="{3423DF85-9F21-45B3-B1B7-C84580358789}"/>
-              </a:ext>
-            </a:extLst>
-          </p:cNvPr>
-          <p:cNvPicPr>
-            <a:picLocks noGrp="1" noChangeAspect="1"/>
-          </p:cNvPicPr>
-          <p:nvPr>
-            <p:ph type="pic" sz="quarter" idx="15"/>
-          </p:nvPr>
-        </p:nvPicPr>
-        <p:blipFill rotWithShape="1">
-          <a:blip r:embed="rId5" cstate="screen">
-            <a:extLst>
-              <a:ext uri="{28A0092B-C50C-407E-A947-70E740481C1C}">
-                <a14:useLocalDpi xmlns:a14="http://schemas.microsoft.com/office/drawing/2010/main" val="0"/>
-              </a:ext>
-            </a:extLst>
-          </a:blip>
-          <a:srcRect/>
-          <a:stretch/>
-        </p:blipFill>
-        <p:spPr>
-          <a:xfrm>
-            <a:off x="6332191" y="2374487"/>
-            <a:ext cx="1899747" cy="1988131"/>
-          </a:xfrm>
-        </p:spPr>
-      </p:pic>
-      <p:sp>
-        <p:nvSpPr>
-          <p:cNvPr id="11" name="Espaço Reservado para Texto 10">
-            <a:extLst>
-              <a:ext uri="{FF2B5EF4-FFF2-40B4-BE49-F238E27FC236}">
-                <a16:creationId xmlns:a16="http://schemas.microsoft.com/office/drawing/2014/main" id="{6A1477D3-65D7-4867-A442-57E609FEB68F}"/>
-              </a:ext>
-            </a:extLst>
-          </p:cNvPr>
-          <p:cNvSpPr>
-            <a:spLocks noGrp="1"/>
-          </p:cNvSpPr>
-          <p:nvPr>
-            <p:ph type="body" sz="quarter" idx="19"/>
-          </p:nvPr>
-        </p:nvSpPr>
-        <p:spPr>
-          <a:xfrm>
-            <a:off x="6162558" y="4735308"/>
-            <a:ext cx="2299136" cy="697664"/>
-          </a:xfrm>
-        </p:spPr>
-        <p:txBody>
-          <a:bodyPr rtlCol="0"/>
-          <a:lstStyle/>
-          <a:p>
-            <a:pPr rtl="0"/>
-            <a:r>
-              <a:rPr lang="pt-BR"/>
-              <a:t>Nome</a:t>
-            </a:r>
-          </a:p>
-        </p:txBody>
-      </p:sp>
-      <p:sp>
-        <p:nvSpPr>
-          <p:cNvPr id="15" name="Espaço Reservado para Texto 14">
-            <a:extLst>
-              <a:ext uri="{FF2B5EF4-FFF2-40B4-BE49-F238E27FC236}">
-                <a16:creationId xmlns:a16="http://schemas.microsoft.com/office/drawing/2014/main" id="{9CDA24C3-FD7A-4B85-80C6-47B5BF77E7CB}"/>
-              </a:ext>
-            </a:extLst>
-          </p:cNvPr>
-          <p:cNvSpPr>
-            <a:spLocks noGrp="1"/>
-          </p:cNvSpPr>
-          <p:nvPr>
-            <p:ph type="body" sz="quarter" idx="23"/>
-          </p:nvPr>
-        </p:nvSpPr>
-        <p:spPr>
-          <a:xfrm>
-            <a:off x="6162558" y="5312140"/>
-            <a:ext cx="2299136" cy="602885"/>
-          </a:xfrm>
-        </p:spPr>
-        <p:txBody>
-          <a:bodyPr rtlCol="0"/>
-          <a:lstStyle/>
-          <a:p>
-            <a:pPr rtl="0"/>
-            <a:r>
-              <a:rPr lang="pt-BR"/>
-              <a:t>Título</a:t>
-            </a:r>
-          </a:p>
-        </p:txBody>
-      </p:sp>
-      <p:pic>
-        <p:nvPicPr>
-          <p:cNvPr id="25" name="Espaço Reservado para Imagem 24" descr="Uma pessoa sorrindo para a câmera, homem, captura de tela do escritório">
-            <a:extLst>
-              <a:ext uri="{FF2B5EF4-FFF2-40B4-BE49-F238E27FC236}">
-                <a16:creationId xmlns:a16="http://schemas.microsoft.com/office/drawing/2014/main" id="{01F1659E-E220-4A9F-8CED-836B61BB86F0}"/>
-              </a:ext>
-            </a:extLst>
-          </p:cNvPr>
-          <p:cNvPicPr>
-            <a:picLocks noGrp="1" noChangeAspect="1"/>
-          </p:cNvPicPr>
-          <p:nvPr>
-            <p:ph type="pic" sz="quarter" idx="16"/>
-          </p:nvPr>
-        </p:nvPicPr>
-        <p:blipFill rotWithShape="1">
-          <a:blip r:embed="rId6" cstate="screen">
-            <a:extLst>
-              <a:ext uri="{28A0092B-C50C-407E-A947-70E740481C1C}">
-                <a14:useLocalDpi xmlns:a14="http://schemas.microsoft.com/office/drawing/2010/main" val="0"/>
-              </a:ext>
-            </a:extLst>
-          </a:blip>
-          <a:srcRect/>
-          <a:stretch/>
-        </p:blipFill>
-        <p:spPr>
-          <a:xfrm>
-            <a:off x="8960878" y="2373917"/>
-            <a:ext cx="1952033" cy="1953149"/>
-          </a:xfrm>
-        </p:spPr>
-      </p:pic>
-      <p:sp>
-        <p:nvSpPr>
-          <p:cNvPr id="12" name="Espaço Reservado para Texto 11">
-            <a:extLst>
-              <a:ext uri="{FF2B5EF4-FFF2-40B4-BE49-F238E27FC236}">
-                <a16:creationId xmlns:a16="http://schemas.microsoft.com/office/drawing/2014/main" id="{705D8830-C357-4851-B7C6-784E0BA20C77}"/>
-              </a:ext>
-            </a:extLst>
-          </p:cNvPr>
-          <p:cNvSpPr>
-            <a:spLocks noGrp="1"/>
-          </p:cNvSpPr>
-          <p:nvPr>
-            <p:ph type="body" sz="quarter" idx="20"/>
-          </p:nvPr>
-        </p:nvSpPr>
-        <p:spPr>
-          <a:xfrm>
-            <a:off x="8845983" y="4735308"/>
-            <a:ext cx="2299136" cy="697664"/>
-          </a:xfrm>
-        </p:spPr>
-        <p:txBody>
-          <a:bodyPr rtlCol="0"/>
-          <a:lstStyle/>
-          <a:p>
-            <a:pPr rtl="0"/>
-            <a:r>
-              <a:rPr lang="pt-BR"/>
-              <a:t>Nome</a:t>
-            </a:r>
-          </a:p>
-        </p:txBody>
-      </p:sp>
-      <p:sp>
-        <p:nvSpPr>
-          <p:cNvPr id="16" name="Espaço Reservado para Texto 15">
-            <a:extLst>
-              <a:ext uri="{FF2B5EF4-FFF2-40B4-BE49-F238E27FC236}">
-                <a16:creationId xmlns:a16="http://schemas.microsoft.com/office/drawing/2014/main" id="{D14FE371-D744-4C39-AC05-870C48D519C0}"/>
-              </a:ext>
-            </a:extLst>
-          </p:cNvPr>
-          <p:cNvSpPr>
-            <a:spLocks noGrp="1"/>
-          </p:cNvSpPr>
-          <p:nvPr>
-            <p:ph type="body" sz="quarter" idx="24"/>
-          </p:nvPr>
-        </p:nvSpPr>
-        <p:spPr>
-          <a:xfrm>
-            <a:off x="8845983" y="5312140"/>
-            <a:ext cx="2299136" cy="602885"/>
-          </a:xfrm>
-        </p:spPr>
-        <p:txBody>
-          <a:bodyPr rtlCol="0"/>
-          <a:lstStyle/>
-          <a:p>
-            <a:pPr rtl="0"/>
-            <a:r>
-              <a:rPr lang="pt-BR"/>
-              <a:t>Título</a:t>
-            </a:r>
-          </a:p>
-        </p:txBody>
-      </p:sp>
-      <p:sp>
-        <p:nvSpPr>
-          <p:cNvPr id="3" name="Espaço Reservado para Rodapé 2">
-            <a:extLst>
-              <a:ext uri="{FF2B5EF4-FFF2-40B4-BE49-F238E27FC236}">
-                <a16:creationId xmlns:a16="http://schemas.microsoft.com/office/drawing/2014/main" id="{79749C4A-2CAD-4CA5-B955-8BAAFCF78600}"/>
-              </a:ext>
-            </a:extLst>
-          </p:cNvPr>
-          <p:cNvSpPr>
-            <a:spLocks noGrp="1"/>
-          </p:cNvSpPr>
-          <p:nvPr>
-            <p:ph type="ftr" sz="quarter" idx="11"/>
-          </p:nvPr>
-        </p:nvSpPr>
-        <p:spPr>
-          <a:xfrm>
-            <a:off x="761999" y="6356350"/>
-            <a:ext cx="6612835" cy="365125"/>
-          </a:xfrm>
-        </p:spPr>
-        <p:txBody>
-          <a:bodyPr rtlCol="0"/>
-          <a:lstStyle/>
-          <a:p>
-            <a:pPr rtl="0"/>
-            <a:r>
-              <a:rPr lang="pt-BR"/>
-              <a:t>Amostra de Texto de Rodapé</a:t>
-            </a:r>
-          </a:p>
-        </p:txBody>
-      </p:sp>
-      <p:sp>
-        <p:nvSpPr>
-          <p:cNvPr id="4" name="Espaço Reservado para o Número do Slide 3">
-            <a:extLst>
-              <a:ext uri="{FF2B5EF4-FFF2-40B4-BE49-F238E27FC236}">
-                <a16:creationId xmlns:a16="http://schemas.microsoft.com/office/drawing/2014/main" id="{5E56BF7D-7C36-4E06-8B50-0E731BB366D4}"/>
+              <a:rPr lang="pt-BR" dirty="0"/>
+              <a:t>Banco de dados</a:t>
+            </a:r>
+          </a:p>
+        </p:txBody>
+      </p:sp>
+      <p:sp>
+        <p:nvSpPr>
+          <p:cNvPr id="5" name="Espaço Reservado para o Número do Slide 4">
+            <a:extLst>
+              <a:ext uri="{FF2B5EF4-FFF2-40B4-BE49-F238E27FC236}">
+                <a16:creationId xmlns:a16="http://schemas.microsoft.com/office/drawing/2014/main" id="{8DEF18CC-FFF0-4445-8902-DB8E13313AE2}"/>
               </a:ext>
             </a:extLst>
           </p:cNvPr>
@@ -14837,10 +14392,35 @@
           </a:p>
         </p:txBody>
       </p:sp>
+      <p:sp>
+        <p:nvSpPr>
+          <p:cNvPr id="7" name="Espaço Reservado para Conteúdo 6">
+            <a:extLst>
+              <a:ext uri="{FF2B5EF4-FFF2-40B4-BE49-F238E27FC236}">
+                <a16:creationId xmlns:a16="http://schemas.microsoft.com/office/drawing/2014/main" id="{1F838F59-A354-4D11-9F94-9B53109E732E}"/>
+              </a:ext>
+            </a:extLst>
+          </p:cNvPr>
+          <p:cNvSpPr>
+            <a:spLocks noGrp="1"/>
+          </p:cNvSpPr>
+          <p:nvPr>
+            <p:ph idx="1"/>
+          </p:nvPr>
+        </p:nvSpPr>
+        <p:spPr/>
+        <p:txBody>
+          <a:bodyPr/>
+          <a:lstStyle/>
+          <a:p>
+            <a:endParaRPr lang="en-NZ" dirty="0"/>
+          </a:p>
+        </p:txBody>
+      </p:sp>
     </p:spTree>
     <p:extLst>
       <p:ext uri="{BB962C8B-B14F-4D97-AF65-F5344CB8AC3E}">
-        <p14:creationId xmlns:p14="http://schemas.microsoft.com/office/powerpoint/2010/main" val="3962656575"/>
+        <p14:creationId xmlns:p14="http://schemas.microsoft.com/office/powerpoint/2010/main" val="4249720376"/>
       </p:ext>
     </p:extLst>
   </p:cSld>
@@ -14869,6 +14449,814 @@
       </p:grpSpPr>
       <p:sp>
         <p:nvSpPr>
+          <p:cNvPr id="2" name="Título 1">
+            <a:extLst>
+              <a:ext uri="{FF2B5EF4-FFF2-40B4-BE49-F238E27FC236}">
+                <a16:creationId xmlns:a16="http://schemas.microsoft.com/office/drawing/2014/main" id="{B59992A4-6434-44C3-ABF9-12D9E3DCBE79}"/>
+              </a:ext>
+            </a:extLst>
+          </p:cNvPr>
+          <p:cNvSpPr>
+            <a:spLocks noGrp="1"/>
+          </p:cNvSpPr>
+          <p:nvPr>
+            <p:ph type="title"/>
+          </p:nvPr>
+        </p:nvSpPr>
+        <p:spPr>
+          <a:xfrm>
+            <a:off x="762000" y="762000"/>
+            <a:ext cx="10668000" cy="1524000"/>
+          </a:xfrm>
+        </p:spPr>
+        <p:txBody>
+          <a:bodyPr rtlCol="0"/>
+          <a:lstStyle/>
+          <a:p>
+            <a:pPr rtl="0"/>
+            <a:r>
+              <a:rPr lang="pt-BR" dirty="0"/>
+              <a:t>Vantagens do nosso serviço</a:t>
+            </a:r>
+          </a:p>
+        </p:txBody>
+      </p:sp>
+      <p:sp>
+        <p:nvSpPr>
+          <p:cNvPr id="3" name="Espaço Reservado para Texto 2">
+            <a:extLst>
+              <a:ext uri="{FF2B5EF4-FFF2-40B4-BE49-F238E27FC236}">
+                <a16:creationId xmlns:a16="http://schemas.microsoft.com/office/drawing/2014/main" id="{EC236781-A093-417B-B5C4-87EC3DB64916}"/>
+              </a:ext>
+            </a:extLst>
+          </p:cNvPr>
+          <p:cNvSpPr>
+            <a:spLocks noGrp="1"/>
+          </p:cNvSpPr>
+          <p:nvPr>
+            <p:ph type="body" idx="1"/>
+          </p:nvPr>
+        </p:nvSpPr>
+        <p:spPr>
+          <a:xfrm>
+            <a:off x="762000" y="2285999"/>
+            <a:ext cx="5151119" cy="761999"/>
+          </a:xfrm>
+        </p:spPr>
+        <p:txBody>
+          <a:bodyPr rtlCol="0"/>
+          <a:lstStyle/>
+          <a:p>
+            <a:pPr rtl="0"/>
+            <a:r>
+              <a:rPr lang="pt-BR"/>
+              <a:t>Subtítulo</a:t>
+            </a:r>
+          </a:p>
+        </p:txBody>
+      </p:sp>
+      <p:sp>
+        <p:nvSpPr>
+          <p:cNvPr id="4" name="Espaço Reservado para Conteúdo 3">
+            <a:extLst>
+              <a:ext uri="{FF2B5EF4-FFF2-40B4-BE49-F238E27FC236}">
+                <a16:creationId xmlns:a16="http://schemas.microsoft.com/office/drawing/2014/main" id="{2326ABD5-9168-4579-AB2A-851B6605C85F}"/>
+              </a:ext>
+            </a:extLst>
+          </p:cNvPr>
+          <p:cNvSpPr>
+            <a:spLocks noGrp="1"/>
+          </p:cNvSpPr>
+          <p:nvPr>
+            <p:ph sz="half" idx="2"/>
+          </p:nvPr>
+        </p:nvSpPr>
+        <p:spPr>
+          <a:xfrm>
+            <a:off x="762000" y="3048000"/>
+            <a:ext cx="5151119" cy="3048000"/>
+          </a:xfrm>
+        </p:spPr>
+        <p:txBody>
+          <a:bodyPr rtlCol="0">
+            <a:normAutofit/>
+          </a:bodyPr>
+          <a:lstStyle/>
+          <a:p>
+            <a:pPr rtl="0"/>
+            <a:r>
+              <a:rPr lang="pt-BR" dirty="0"/>
+              <a:t>Adicione texto, imagens, arte e vídeos.</a:t>
+            </a:r>
+          </a:p>
+          <a:p>
+            <a:pPr rtl="0"/>
+            <a:r>
+              <a:rPr lang="pt-BR" dirty="0"/>
+              <a:t>Adicione transições, animações e movimentos.</a:t>
+            </a:r>
+          </a:p>
+          <a:p>
+            <a:pPr rtl="0"/>
+            <a:r>
+              <a:rPr lang="pt-BR" dirty="0"/>
+              <a:t>Salve no OneDrive para acessar suas apresentações no computador, tablet ou celular.</a:t>
+            </a:r>
+          </a:p>
+          <a:p>
+            <a:pPr rtl="0"/>
+            <a:r>
+              <a:rPr lang="pt-BR" dirty="0"/>
+              <a:t>Adicione texto, imagens, arte e vídeos.</a:t>
+            </a:r>
+          </a:p>
+          <a:p>
+            <a:pPr rtl="0"/>
+            <a:r>
+              <a:rPr lang="pt-BR" dirty="0"/>
+              <a:t>Adicione transições, animações e movimentos.</a:t>
+            </a:r>
+          </a:p>
+        </p:txBody>
+      </p:sp>
+      <p:sp>
+        <p:nvSpPr>
+          <p:cNvPr id="5" name="Espaço Reservado para Texto 4">
+            <a:extLst>
+              <a:ext uri="{FF2B5EF4-FFF2-40B4-BE49-F238E27FC236}">
+                <a16:creationId xmlns:a16="http://schemas.microsoft.com/office/drawing/2014/main" id="{E4348A3D-676E-4B0D-946B-E4C193C32CCB}"/>
+              </a:ext>
+            </a:extLst>
+          </p:cNvPr>
+          <p:cNvSpPr>
+            <a:spLocks noGrp="1"/>
+          </p:cNvSpPr>
+          <p:nvPr>
+            <p:ph type="body" sz="quarter" idx="3"/>
+          </p:nvPr>
+        </p:nvSpPr>
+        <p:spPr>
+          <a:xfrm>
+            <a:off x="6278878" y="2286000"/>
+            <a:ext cx="5151122" cy="761999"/>
+          </a:xfrm>
+        </p:spPr>
+        <p:txBody>
+          <a:bodyPr rtlCol="0"/>
+          <a:lstStyle/>
+          <a:p>
+            <a:pPr rtl="0"/>
+            <a:r>
+              <a:rPr lang="pt-BR"/>
+              <a:t>Subtítulo</a:t>
+            </a:r>
+          </a:p>
+        </p:txBody>
+      </p:sp>
+      <p:sp>
+        <p:nvSpPr>
+          <p:cNvPr id="6" name="Espaço Reservado para Conteúdo 5">
+            <a:extLst>
+              <a:ext uri="{FF2B5EF4-FFF2-40B4-BE49-F238E27FC236}">
+                <a16:creationId xmlns:a16="http://schemas.microsoft.com/office/drawing/2014/main" id="{56B0D7BF-989E-4111-9041-3AA7A59622D7}"/>
+              </a:ext>
+            </a:extLst>
+          </p:cNvPr>
+          <p:cNvSpPr>
+            <a:spLocks noGrp="1"/>
+          </p:cNvSpPr>
+          <p:nvPr>
+            <p:ph sz="quarter" idx="4"/>
+          </p:nvPr>
+        </p:nvSpPr>
+        <p:spPr>
+          <a:xfrm>
+            <a:off x="6278878" y="3048000"/>
+            <a:ext cx="5151122" cy="3048000"/>
+          </a:xfrm>
+        </p:spPr>
+        <p:txBody>
+          <a:bodyPr rtlCol="0">
+            <a:normAutofit/>
+          </a:bodyPr>
+          <a:lstStyle/>
+          <a:p>
+            <a:pPr rtl="0"/>
+            <a:r>
+              <a:rPr lang="pt-BR"/>
+              <a:t>Adicione texto, imagens, arte e vídeos.</a:t>
+            </a:r>
+          </a:p>
+          <a:p>
+            <a:pPr rtl="0"/>
+            <a:r>
+              <a:rPr lang="pt-BR"/>
+              <a:t>Adicione transições, animações e movimentos.</a:t>
+            </a:r>
+          </a:p>
+          <a:p>
+            <a:pPr rtl="0"/>
+            <a:r>
+              <a:rPr lang="pt-BR"/>
+              <a:t>Salve no OneDrive para acessar suas apresentações no computador, tablet ou celular.</a:t>
+            </a:r>
+          </a:p>
+          <a:p>
+            <a:pPr rtl="0"/>
+            <a:r>
+              <a:rPr lang="pt-BR"/>
+              <a:t>Adicione texto, imagens, arte e vídeos.</a:t>
+            </a:r>
+          </a:p>
+          <a:p>
+            <a:pPr rtl="0"/>
+            <a:r>
+              <a:rPr lang="pt-BR"/>
+              <a:t>Adicione transições, animações e movimentos.</a:t>
+            </a:r>
+          </a:p>
+          <a:p>
+            <a:pPr rtl="0"/>
+            <a:endParaRPr lang="pt-BR" dirty="0"/>
+          </a:p>
+        </p:txBody>
+      </p:sp>
+      <p:sp>
+        <p:nvSpPr>
+          <p:cNvPr id="9" name="Espaço Reservado para o Número do Slide 8">
+            <a:extLst>
+              <a:ext uri="{FF2B5EF4-FFF2-40B4-BE49-F238E27FC236}">
+                <a16:creationId xmlns:a16="http://schemas.microsoft.com/office/drawing/2014/main" id="{895C6061-88FC-4981-A127-DF7D7EACB748}"/>
+              </a:ext>
+            </a:extLst>
+          </p:cNvPr>
+          <p:cNvSpPr>
+            <a:spLocks noGrp="1"/>
+          </p:cNvSpPr>
+          <p:nvPr>
+            <p:ph type="sldNum" sz="quarter" idx="12"/>
+          </p:nvPr>
+        </p:nvSpPr>
+        <p:spPr>
+          <a:xfrm>
+            <a:off x="9906000" y="6356350"/>
+            <a:ext cx="1524000" cy="365125"/>
+          </a:xfrm>
+        </p:spPr>
+        <p:txBody>
+          <a:bodyPr rtlCol="0"/>
+          <a:lstStyle/>
+          <a:p>
+            <a:pPr rtl="0"/>
+            <a:fld id="{07CE569E-9B7C-4CB9-AB80-C0841F922CFF}" type="slidenum">
+              <a:rPr lang="pt-BR" smtClean="0"/>
+              <a:pPr rtl="0"/>
+              <a:t>12</a:t>
+            </a:fld>
+            <a:endParaRPr lang="pt-BR" dirty="0"/>
+          </a:p>
+        </p:txBody>
+      </p:sp>
+    </p:spTree>
+    <p:extLst>
+      <p:ext uri="{BB962C8B-B14F-4D97-AF65-F5344CB8AC3E}">
+        <p14:creationId xmlns:p14="http://schemas.microsoft.com/office/powerpoint/2010/main" val="978570224"/>
+      </p:ext>
+    </p:extLst>
+  </p:cSld>
+  <p:clrMapOvr>
+    <a:masterClrMapping/>
+  </p:clrMapOvr>
+</p:sld>
+</file>
+
+<file path=ppt/slides/slide13.xml><?xml version="1.0" encoding="utf-8"?>
+<p:sld xmlns:a="http://schemas.openxmlformats.org/drawingml/2006/main" xmlns:r="http://schemas.openxmlformats.org/officeDocument/2006/relationships" xmlns:p="http://schemas.openxmlformats.org/presentationml/2006/main">
+  <p:cSld>
+    <p:spTree>
+      <p:nvGrpSpPr>
+        <p:cNvPr id="1" name=""/>
+        <p:cNvGrpSpPr/>
+        <p:nvPr/>
+      </p:nvGrpSpPr>
+      <p:grpSpPr>
+        <a:xfrm>
+          <a:off x="0" y="0"/>
+          <a:ext cx="0" cy="0"/>
+          <a:chOff x="0" y="0"/>
+          <a:chExt cx="0" cy="0"/>
+        </a:xfrm>
+      </p:grpSpPr>
+      <p:sp>
+        <p:nvSpPr>
+          <p:cNvPr id="17" name="Título 16">
+            <a:extLst>
+              <a:ext uri="{FF2B5EF4-FFF2-40B4-BE49-F238E27FC236}">
+                <a16:creationId xmlns:a16="http://schemas.microsoft.com/office/drawing/2014/main" id="{B55DC249-DAF2-476A-9399-94FABA38004E}"/>
+              </a:ext>
+            </a:extLst>
+          </p:cNvPr>
+          <p:cNvSpPr>
+            <a:spLocks noGrp="1"/>
+          </p:cNvSpPr>
+          <p:nvPr>
+            <p:ph type="title"/>
+          </p:nvPr>
+        </p:nvSpPr>
+        <p:spPr>
+          <a:xfrm>
+            <a:off x="758953" y="765930"/>
+            <a:ext cx="10000488" cy="1345269"/>
+          </a:xfrm>
+        </p:spPr>
+        <p:txBody>
+          <a:bodyPr rtlCol="0"/>
+          <a:lstStyle/>
+          <a:p>
+            <a:pPr rtl="0"/>
+            <a:r>
+              <a:rPr lang="pt-BR"/>
+              <a:t>Equipe</a:t>
+            </a:r>
+          </a:p>
+        </p:txBody>
+      </p:sp>
+      <p:pic>
+        <p:nvPicPr>
+          <p:cNvPr id="19" name="Espaço Reservado para Imagem 18" descr="Uma pessoa sorrindo para a câmera, homem, captura de tela do escritório">
+            <a:extLst>
+              <a:ext uri="{FF2B5EF4-FFF2-40B4-BE49-F238E27FC236}">
+                <a16:creationId xmlns:a16="http://schemas.microsoft.com/office/drawing/2014/main" id="{822BC79C-2547-4426-A801-DF4B5DA5DF10}"/>
+              </a:ext>
+            </a:extLst>
+          </p:cNvPr>
+          <p:cNvPicPr>
+            <a:picLocks noGrp="1" noChangeAspect="1"/>
+          </p:cNvPicPr>
+          <p:nvPr>
+            <p:ph type="pic" sz="quarter" idx="13"/>
+          </p:nvPr>
+        </p:nvPicPr>
+        <p:blipFill rotWithShape="1">
+          <a:blip r:embed="rId3" cstate="screen">
+            <a:extLst>
+              <a:ext uri="{28A0092B-C50C-407E-A947-70E740481C1C}">
+                <a14:useLocalDpi xmlns:a14="http://schemas.microsoft.com/office/drawing/2010/main" val="0"/>
+              </a:ext>
+            </a:extLst>
+          </a:blip>
+          <a:srcRect/>
+          <a:stretch/>
+        </p:blipFill>
+        <p:spPr>
+          <a:xfrm>
+            <a:off x="1119304" y="2388000"/>
+            <a:ext cx="1841341" cy="1951895"/>
+          </a:xfrm>
+        </p:spPr>
+      </p:pic>
+      <p:sp>
+        <p:nvSpPr>
+          <p:cNvPr id="9" name="Espaço Reservado para Texto 8">
+            <a:extLst>
+              <a:ext uri="{FF2B5EF4-FFF2-40B4-BE49-F238E27FC236}">
+                <a16:creationId xmlns:a16="http://schemas.microsoft.com/office/drawing/2014/main" id="{983AC726-0CA1-4F57-9B0C-00BB0450A767}"/>
+              </a:ext>
+            </a:extLst>
+          </p:cNvPr>
+          <p:cNvSpPr>
+            <a:spLocks noGrp="1"/>
+          </p:cNvSpPr>
+          <p:nvPr>
+            <p:ph type="body" sz="quarter" idx="17"/>
+          </p:nvPr>
+        </p:nvSpPr>
+        <p:spPr>
+          <a:xfrm>
+            <a:off x="918070" y="4735308"/>
+            <a:ext cx="2299136" cy="560592"/>
+          </a:xfrm>
+        </p:spPr>
+        <p:txBody>
+          <a:bodyPr rtlCol="0"/>
+          <a:lstStyle/>
+          <a:p>
+            <a:pPr rtl="0"/>
+            <a:r>
+              <a:rPr lang="pt-BR"/>
+              <a:t>Nome</a:t>
+            </a:r>
+          </a:p>
+        </p:txBody>
+      </p:sp>
+      <p:sp>
+        <p:nvSpPr>
+          <p:cNvPr id="13" name="Espaço Reservado para Texto 12">
+            <a:extLst>
+              <a:ext uri="{FF2B5EF4-FFF2-40B4-BE49-F238E27FC236}">
+                <a16:creationId xmlns:a16="http://schemas.microsoft.com/office/drawing/2014/main" id="{F5CA9998-C297-4F3B-A271-630E530EBD55}"/>
+              </a:ext>
+            </a:extLst>
+          </p:cNvPr>
+          <p:cNvSpPr>
+            <a:spLocks noGrp="1"/>
+          </p:cNvSpPr>
+          <p:nvPr>
+            <p:ph type="body" sz="quarter" idx="21"/>
+          </p:nvPr>
+        </p:nvSpPr>
+        <p:spPr>
+          <a:xfrm>
+            <a:off x="890978" y="5312140"/>
+            <a:ext cx="2299136" cy="602885"/>
+          </a:xfrm>
+        </p:spPr>
+        <p:txBody>
+          <a:bodyPr rtlCol="0"/>
+          <a:lstStyle/>
+          <a:p>
+            <a:pPr rtl="0"/>
+            <a:r>
+              <a:rPr lang="pt-BR"/>
+              <a:t>Título</a:t>
+            </a:r>
+          </a:p>
+        </p:txBody>
+      </p:sp>
+      <p:pic>
+        <p:nvPicPr>
+          <p:cNvPr id="21" name="Espaço Reservado para Imagem 20" descr="Uma pessoa sorrindo para a câmera, moça, captura de tela do escritório">
+            <a:extLst>
+              <a:ext uri="{FF2B5EF4-FFF2-40B4-BE49-F238E27FC236}">
+                <a16:creationId xmlns:a16="http://schemas.microsoft.com/office/drawing/2014/main" id="{A713DC34-F1E8-4E56-9A2D-3B1E0DF48D6F}"/>
+              </a:ext>
+            </a:extLst>
+          </p:cNvPr>
+          <p:cNvPicPr>
+            <a:picLocks noGrp="1" noChangeAspect="1"/>
+          </p:cNvPicPr>
+          <p:nvPr>
+            <p:ph type="pic" sz="quarter" idx="14"/>
+          </p:nvPr>
+        </p:nvPicPr>
+        <p:blipFill rotWithShape="1">
+          <a:blip r:embed="rId4" cstate="screen">
+            <a:extLst>
+              <a:ext uri="{28A0092B-C50C-407E-A947-70E740481C1C}">
+                <a14:useLocalDpi xmlns:a14="http://schemas.microsoft.com/office/drawing/2010/main" val="0"/>
+              </a:ext>
+            </a:extLst>
+          </a:blip>
+          <a:srcRect/>
+          <a:stretch/>
+        </p:blipFill>
+        <p:spPr>
+          <a:xfrm>
+            <a:off x="3673803" y="2374487"/>
+            <a:ext cx="1927641" cy="1862790"/>
+          </a:xfrm>
+        </p:spPr>
+      </p:pic>
+      <p:sp>
+        <p:nvSpPr>
+          <p:cNvPr id="10" name="Espaço Reservado para Texto 9">
+            <a:extLst>
+              <a:ext uri="{FF2B5EF4-FFF2-40B4-BE49-F238E27FC236}">
+                <a16:creationId xmlns:a16="http://schemas.microsoft.com/office/drawing/2014/main" id="{8F497F6E-BFDA-497C-9B5A-A7F23AB1DA1F}"/>
+              </a:ext>
+            </a:extLst>
+          </p:cNvPr>
+          <p:cNvSpPr>
+            <a:spLocks noGrp="1"/>
+          </p:cNvSpPr>
+          <p:nvPr>
+            <p:ph type="body" sz="quarter" idx="18"/>
+          </p:nvPr>
+        </p:nvSpPr>
+        <p:spPr>
+          <a:xfrm>
+            <a:off x="3545285" y="4735308"/>
+            <a:ext cx="2299136" cy="697664"/>
+          </a:xfrm>
+        </p:spPr>
+        <p:txBody>
+          <a:bodyPr rtlCol="0"/>
+          <a:lstStyle/>
+          <a:p>
+            <a:pPr rtl="0"/>
+            <a:r>
+              <a:rPr lang="pt-BR"/>
+              <a:t>Nome</a:t>
+            </a:r>
+          </a:p>
+        </p:txBody>
+      </p:sp>
+      <p:sp>
+        <p:nvSpPr>
+          <p:cNvPr id="14" name="Espaço Reservado para Texto 13">
+            <a:extLst>
+              <a:ext uri="{FF2B5EF4-FFF2-40B4-BE49-F238E27FC236}">
+                <a16:creationId xmlns:a16="http://schemas.microsoft.com/office/drawing/2014/main" id="{E88650AA-D55C-4594-89E5-50D760ABD146}"/>
+              </a:ext>
+            </a:extLst>
+          </p:cNvPr>
+          <p:cNvSpPr>
+            <a:spLocks noGrp="1"/>
+          </p:cNvSpPr>
+          <p:nvPr>
+            <p:ph type="body" sz="quarter" idx="22"/>
+          </p:nvPr>
+        </p:nvSpPr>
+        <p:spPr>
+          <a:xfrm>
+            <a:off x="3518193" y="5312140"/>
+            <a:ext cx="2299136" cy="602885"/>
+          </a:xfrm>
+        </p:spPr>
+        <p:txBody>
+          <a:bodyPr rtlCol="0"/>
+          <a:lstStyle/>
+          <a:p>
+            <a:pPr rtl="0"/>
+            <a:r>
+              <a:rPr lang="pt-BR"/>
+              <a:t>Título</a:t>
+            </a:r>
+          </a:p>
+        </p:txBody>
+      </p:sp>
+      <p:pic>
+        <p:nvPicPr>
+          <p:cNvPr id="23" name="Espaço Reservado para Imagem 22" descr="Uma pessoa sorrindo para a câmera, moça, captura de tela do escritório">
+            <a:extLst>
+              <a:ext uri="{FF2B5EF4-FFF2-40B4-BE49-F238E27FC236}">
+                <a16:creationId xmlns:a16="http://schemas.microsoft.com/office/drawing/2014/main" id="{3423DF85-9F21-45B3-B1B7-C84580358789}"/>
+              </a:ext>
+            </a:extLst>
+          </p:cNvPr>
+          <p:cNvPicPr>
+            <a:picLocks noGrp="1" noChangeAspect="1"/>
+          </p:cNvPicPr>
+          <p:nvPr>
+            <p:ph type="pic" sz="quarter" idx="15"/>
+          </p:nvPr>
+        </p:nvPicPr>
+        <p:blipFill rotWithShape="1">
+          <a:blip r:embed="rId5" cstate="screen">
+            <a:extLst>
+              <a:ext uri="{28A0092B-C50C-407E-A947-70E740481C1C}">
+                <a14:useLocalDpi xmlns:a14="http://schemas.microsoft.com/office/drawing/2010/main" val="0"/>
+              </a:ext>
+            </a:extLst>
+          </a:blip>
+          <a:srcRect/>
+          <a:stretch/>
+        </p:blipFill>
+        <p:spPr>
+          <a:xfrm>
+            <a:off x="6332191" y="2374487"/>
+            <a:ext cx="1899747" cy="1988131"/>
+          </a:xfrm>
+        </p:spPr>
+      </p:pic>
+      <p:sp>
+        <p:nvSpPr>
+          <p:cNvPr id="11" name="Espaço Reservado para Texto 10">
+            <a:extLst>
+              <a:ext uri="{FF2B5EF4-FFF2-40B4-BE49-F238E27FC236}">
+                <a16:creationId xmlns:a16="http://schemas.microsoft.com/office/drawing/2014/main" id="{6A1477D3-65D7-4867-A442-57E609FEB68F}"/>
+              </a:ext>
+            </a:extLst>
+          </p:cNvPr>
+          <p:cNvSpPr>
+            <a:spLocks noGrp="1"/>
+          </p:cNvSpPr>
+          <p:nvPr>
+            <p:ph type="body" sz="quarter" idx="19"/>
+          </p:nvPr>
+        </p:nvSpPr>
+        <p:spPr>
+          <a:xfrm>
+            <a:off x="6162558" y="4735308"/>
+            <a:ext cx="2299136" cy="697664"/>
+          </a:xfrm>
+        </p:spPr>
+        <p:txBody>
+          <a:bodyPr rtlCol="0"/>
+          <a:lstStyle/>
+          <a:p>
+            <a:pPr rtl="0"/>
+            <a:r>
+              <a:rPr lang="pt-BR"/>
+              <a:t>Nome</a:t>
+            </a:r>
+          </a:p>
+        </p:txBody>
+      </p:sp>
+      <p:sp>
+        <p:nvSpPr>
+          <p:cNvPr id="15" name="Espaço Reservado para Texto 14">
+            <a:extLst>
+              <a:ext uri="{FF2B5EF4-FFF2-40B4-BE49-F238E27FC236}">
+                <a16:creationId xmlns:a16="http://schemas.microsoft.com/office/drawing/2014/main" id="{9CDA24C3-FD7A-4B85-80C6-47B5BF77E7CB}"/>
+              </a:ext>
+            </a:extLst>
+          </p:cNvPr>
+          <p:cNvSpPr>
+            <a:spLocks noGrp="1"/>
+          </p:cNvSpPr>
+          <p:nvPr>
+            <p:ph type="body" sz="quarter" idx="23"/>
+          </p:nvPr>
+        </p:nvSpPr>
+        <p:spPr>
+          <a:xfrm>
+            <a:off x="6162558" y="5312140"/>
+            <a:ext cx="2299136" cy="602885"/>
+          </a:xfrm>
+        </p:spPr>
+        <p:txBody>
+          <a:bodyPr rtlCol="0"/>
+          <a:lstStyle/>
+          <a:p>
+            <a:pPr rtl="0"/>
+            <a:r>
+              <a:rPr lang="pt-BR"/>
+              <a:t>Título</a:t>
+            </a:r>
+          </a:p>
+        </p:txBody>
+      </p:sp>
+      <p:pic>
+        <p:nvPicPr>
+          <p:cNvPr id="25" name="Espaço Reservado para Imagem 24" descr="Uma pessoa sorrindo para a câmera, homem, captura de tela do escritório">
+            <a:extLst>
+              <a:ext uri="{FF2B5EF4-FFF2-40B4-BE49-F238E27FC236}">
+                <a16:creationId xmlns:a16="http://schemas.microsoft.com/office/drawing/2014/main" id="{01F1659E-E220-4A9F-8CED-836B61BB86F0}"/>
+              </a:ext>
+            </a:extLst>
+          </p:cNvPr>
+          <p:cNvPicPr>
+            <a:picLocks noGrp="1" noChangeAspect="1"/>
+          </p:cNvPicPr>
+          <p:nvPr>
+            <p:ph type="pic" sz="quarter" idx="16"/>
+          </p:nvPr>
+        </p:nvPicPr>
+        <p:blipFill rotWithShape="1">
+          <a:blip r:embed="rId6" cstate="screen">
+            <a:extLst>
+              <a:ext uri="{28A0092B-C50C-407E-A947-70E740481C1C}">
+                <a14:useLocalDpi xmlns:a14="http://schemas.microsoft.com/office/drawing/2010/main" val="0"/>
+              </a:ext>
+            </a:extLst>
+          </a:blip>
+          <a:srcRect/>
+          <a:stretch/>
+        </p:blipFill>
+        <p:spPr>
+          <a:xfrm>
+            <a:off x="8960878" y="2373917"/>
+            <a:ext cx="1952033" cy="1953149"/>
+          </a:xfrm>
+        </p:spPr>
+      </p:pic>
+      <p:sp>
+        <p:nvSpPr>
+          <p:cNvPr id="12" name="Espaço Reservado para Texto 11">
+            <a:extLst>
+              <a:ext uri="{FF2B5EF4-FFF2-40B4-BE49-F238E27FC236}">
+                <a16:creationId xmlns:a16="http://schemas.microsoft.com/office/drawing/2014/main" id="{705D8830-C357-4851-B7C6-784E0BA20C77}"/>
+              </a:ext>
+            </a:extLst>
+          </p:cNvPr>
+          <p:cNvSpPr>
+            <a:spLocks noGrp="1"/>
+          </p:cNvSpPr>
+          <p:nvPr>
+            <p:ph type="body" sz="quarter" idx="20"/>
+          </p:nvPr>
+        </p:nvSpPr>
+        <p:spPr>
+          <a:xfrm>
+            <a:off x="8845983" y="4735308"/>
+            <a:ext cx="2299136" cy="697664"/>
+          </a:xfrm>
+        </p:spPr>
+        <p:txBody>
+          <a:bodyPr rtlCol="0"/>
+          <a:lstStyle/>
+          <a:p>
+            <a:pPr rtl="0"/>
+            <a:r>
+              <a:rPr lang="pt-BR"/>
+              <a:t>Nome</a:t>
+            </a:r>
+          </a:p>
+        </p:txBody>
+      </p:sp>
+      <p:sp>
+        <p:nvSpPr>
+          <p:cNvPr id="16" name="Espaço Reservado para Texto 15">
+            <a:extLst>
+              <a:ext uri="{FF2B5EF4-FFF2-40B4-BE49-F238E27FC236}">
+                <a16:creationId xmlns:a16="http://schemas.microsoft.com/office/drawing/2014/main" id="{D14FE371-D744-4C39-AC05-870C48D519C0}"/>
+              </a:ext>
+            </a:extLst>
+          </p:cNvPr>
+          <p:cNvSpPr>
+            <a:spLocks noGrp="1"/>
+          </p:cNvSpPr>
+          <p:nvPr>
+            <p:ph type="body" sz="quarter" idx="24"/>
+          </p:nvPr>
+        </p:nvSpPr>
+        <p:spPr>
+          <a:xfrm>
+            <a:off x="8845983" y="5312140"/>
+            <a:ext cx="2299136" cy="602885"/>
+          </a:xfrm>
+        </p:spPr>
+        <p:txBody>
+          <a:bodyPr rtlCol="0"/>
+          <a:lstStyle/>
+          <a:p>
+            <a:pPr rtl="0"/>
+            <a:r>
+              <a:rPr lang="pt-BR"/>
+              <a:t>Título</a:t>
+            </a:r>
+          </a:p>
+        </p:txBody>
+      </p:sp>
+      <p:sp>
+        <p:nvSpPr>
+          <p:cNvPr id="4" name="Espaço Reservado para o Número do Slide 3">
+            <a:extLst>
+              <a:ext uri="{FF2B5EF4-FFF2-40B4-BE49-F238E27FC236}">
+                <a16:creationId xmlns:a16="http://schemas.microsoft.com/office/drawing/2014/main" id="{5E56BF7D-7C36-4E06-8B50-0E731BB366D4}"/>
+              </a:ext>
+            </a:extLst>
+          </p:cNvPr>
+          <p:cNvSpPr>
+            <a:spLocks noGrp="1"/>
+          </p:cNvSpPr>
+          <p:nvPr>
+            <p:ph type="sldNum" sz="quarter" idx="12"/>
+          </p:nvPr>
+        </p:nvSpPr>
+        <p:spPr>
+          <a:xfrm>
+            <a:off x="9906000" y="6356350"/>
+            <a:ext cx="1524000" cy="365125"/>
+          </a:xfrm>
+        </p:spPr>
+        <p:txBody>
+          <a:bodyPr rtlCol="0"/>
+          <a:lstStyle/>
+          <a:p>
+            <a:pPr rtl="0"/>
+            <a:fld id="{07CE569E-9B7C-4CB9-AB80-C0841F922CFF}" type="slidenum">
+              <a:rPr lang="pt-BR" smtClean="0"/>
+              <a:pPr rtl="0"/>
+              <a:t>13</a:t>
+            </a:fld>
+            <a:endParaRPr lang="pt-BR" dirty="0"/>
+          </a:p>
+        </p:txBody>
+      </p:sp>
+    </p:spTree>
+    <p:extLst>
+      <p:ext uri="{BB962C8B-B14F-4D97-AF65-F5344CB8AC3E}">
+        <p14:creationId xmlns:p14="http://schemas.microsoft.com/office/powerpoint/2010/main" val="3962656575"/>
+      </p:ext>
+    </p:extLst>
+  </p:cSld>
+  <p:clrMapOvr>
+    <a:masterClrMapping/>
+  </p:clrMapOvr>
+</p:sld>
+</file>
+
+<file path=ppt/slides/slide14.xml><?xml version="1.0" encoding="utf-8"?>
+<p:sld xmlns:a="http://schemas.openxmlformats.org/drawingml/2006/main" xmlns:r="http://schemas.openxmlformats.org/officeDocument/2006/relationships" xmlns:p="http://schemas.openxmlformats.org/presentationml/2006/main">
+  <p:cSld>
+    <p:spTree>
+      <p:nvGrpSpPr>
+        <p:cNvPr id="1" name=""/>
+        <p:cNvGrpSpPr/>
+        <p:nvPr/>
+      </p:nvGrpSpPr>
+      <p:grpSpPr>
+        <a:xfrm>
+          <a:off x="0" y="0"/>
+          <a:ext cx="0" cy="0"/>
+          <a:chOff x="0" y="0"/>
+          <a:chExt cx="0" cy="0"/>
+        </a:xfrm>
+      </p:grpSpPr>
+      <p:sp>
+        <p:nvSpPr>
           <p:cNvPr id="5" name="Título 4">
             <a:extLst>
               <a:ext uri="{FF2B5EF4-FFF2-40B4-BE49-F238E27FC236}">
@@ -15082,7 +15470,7 @@
             <a:fld id="{07CE569E-9B7C-4CB9-AB80-C0841F922CFF}" type="slidenum">
               <a:rPr lang="pt-BR" smtClean="0"/>
               <a:pPr rtl="0"/>
-              <a:t>12</a:t>
+              <a:t>14</a:t>
             </a:fld>
             <a:endParaRPr lang="pt-BR" dirty="0"/>
           </a:p>
@@ -15377,41 +15765,6 @@
       </p:pic>
       <p:sp>
         <p:nvSpPr>
-          <p:cNvPr id="2" name="Espaço Reservado para Data 1">
-            <a:extLst>
-              <a:ext uri="{FF2B5EF4-FFF2-40B4-BE49-F238E27FC236}">
-                <a16:creationId xmlns:a16="http://schemas.microsoft.com/office/drawing/2014/main" id="{298877C9-11C4-4174-BF9D-8E8C8898628C}"/>
-              </a:ext>
-            </a:extLst>
-          </p:cNvPr>
-          <p:cNvSpPr>
-            <a:spLocks noGrp="1"/>
-          </p:cNvSpPr>
-          <p:nvPr>
-            <p:ph type="dt" sz="half" idx="10"/>
-          </p:nvPr>
-        </p:nvSpPr>
-        <p:spPr>
-          <a:xfrm>
-            <a:off x="9389165" y="194320"/>
-            <a:ext cx="2040835" cy="365125"/>
-          </a:xfrm>
-        </p:spPr>
-        <p:txBody>
-          <a:bodyPr rtlCol="0"/>
-          <a:lstStyle/>
-          <a:p>
-            <a:pPr rtl="0"/>
-            <a:r>
-              <a:rPr lang="pt-BR"/>
-              <a:t>01/02/20XX</a:t>
-            </a:r>
-            <a:endParaRPr lang="pt-BR" dirty="0"/>
-          </a:p>
-        </p:txBody>
-      </p:sp>
-      <p:sp>
-        <p:nvSpPr>
           <p:cNvPr id="5" name="Espaço Reservado para Conteúdo 4">
             <a:extLst>
               <a:ext uri="{FF2B5EF4-FFF2-40B4-BE49-F238E27FC236}">
@@ -15478,40 +15831,6 @@
               <a:t>Json</a:t>
             </a:r>
             <a:endParaRPr lang="pt-BR" dirty="0"/>
-          </a:p>
-        </p:txBody>
-      </p:sp>
-      <p:sp>
-        <p:nvSpPr>
-          <p:cNvPr id="3" name="Espaço Reservado para Rodapé 2">
-            <a:extLst>
-              <a:ext uri="{FF2B5EF4-FFF2-40B4-BE49-F238E27FC236}">
-                <a16:creationId xmlns:a16="http://schemas.microsoft.com/office/drawing/2014/main" id="{1DF28057-EF7D-4825-B507-709129825A6B}"/>
-              </a:ext>
-            </a:extLst>
-          </p:cNvPr>
-          <p:cNvSpPr>
-            <a:spLocks noGrp="1"/>
-          </p:cNvSpPr>
-          <p:nvPr>
-            <p:ph type="ftr" sz="quarter" idx="11"/>
-          </p:nvPr>
-        </p:nvSpPr>
-        <p:spPr>
-          <a:xfrm>
-            <a:off x="761999" y="6356350"/>
-            <a:ext cx="6612835" cy="365125"/>
-          </a:xfrm>
-        </p:spPr>
-        <p:txBody>
-          <a:bodyPr rtlCol="0"/>
-          <a:lstStyle/>
-          <a:p>
-            <a:pPr rtl="0"/>
-            <a:r>
-              <a:rPr lang="pt-BR"/>
-              <a:t>Amostra de Texto de Rodapé</a:t>
-            </a:r>
           </a:p>
         </p:txBody>
       </p:sp>
@@ -15786,60 +16105,26 @@
           </a:p>
         </p:txBody>
       </p:sp>
-      <p:pic>
-        <p:nvPicPr>
-          <p:cNvPr id="11" name="Espaço Reservado para Imagem 10" descr="Uma imagem contendo comida, diferente, várias, variadas">
-            <a:extLst>
-              <a:ext uri="{FF2B5EF4-FFF2-40B4-BE49-F238E27FC236}">
-                <a16:creationId xmlns:a16="http://schemas.microsoft.com/office/drawing/2014/main" id="{AF040032-2C50-4A91-A8A9-750A9E1CA99A}"/>
-              </a:ext>
-            </a:extLst>
-          </p:cNvPr>
-          <p:cNvPicPr>
-            <a:picLocks noGrp="1" noChangeAspect="1"/>
-          </p:cNvPicPr>
-          <p:nvPr>
-            <p:ph type="pic" sz="quarter" idx="13"/>
-          </p:nvPr>
-        </p:nvPicPr>
-        <p:blipFill rotWithShape="1">
-          <a:blip r:embed="rId3" cstate="screen">
-            <a:extLst>
-              <a:ext uri="{28A0092B-C50C-407E-A947-70E740481C1C}">
-                <a14:useLocalDpi xmlns:a14="http://schemas.microsoft.com/office/drawing/2010/main" val="0"/>
-              </a:ext>
-            </a:extLst>
-          </a:blip>
-          <a:srcRect/>
-          <a:stretch/>
-        </p:blipFill>
+      <p:sp>
+        <p:nvSpPr>
+          <p:cNvPr id="6" name="Espaço Reservado para Conteúdo 5">
+            <a:extLst>
+              <a:ext uri="{FF2B5EF4-FFF2-40B4-BE49-F238E27FC236}">
+                <a16:creationId xmlns:a16="http://schemas.microsoft.com/office/drawing/2014/main" id="{E43DD79B-0698-4E19-B7CA-FAB8A8A282C9}"/>
+              </a:ext>
+            </a:extLst>
+          </p:cNvPr>
+          <p:cNvSpPr>
+            <a:spLocks noGrp="1"/>
+          </p:cNvSpPr>
+          <p:nvPr>
+            <p:ph idx="1"/>
+          </p:nvPr>
+        </p:nvSpPr>
         <p:spPr>
           <a:xfrm>
-            <a:off x="1" y="348939"/>
-            <a:ext cx="1588691" cy="5824901"/>
-          </a:xfrm>
-        </p:spPr>
-      </p:pic>
-      <p:sp>
-        <p:nvSpPr>
-          <p:cNvPr id="6" name="Espaço Reservado para Conteúdo 5">
-            <a:extLst>
-              <a:ext uri="{FF2B5EF4-FFF2-40B4-BE49-F238E27FC236}">
-                <a16:creationId xmlns:a16="http://schemas.microsoft.com/office/drawing/2014/main" id="{E43DD79B-0698-4E19-B7CA-FAB8A8A282C9}"/>
-              </a:ext>
-            </a:extLst>
-          </p:cNvPr>
-          <p:cNvSpPr>
-            <a:spLocks noGrp="1"/>
-          </p:cNvSpPr>
-          <p:nvPr>
-            <p:ph idx="1"/>
-          </p:nvPr>
-        </p:nvSpPr>
-        <p:spPr>
-          <a:xfrm>
-            <a:off x="2286000" y="3056083"/>
-            <a:ext cx="5334000" cy="3048000"/>
+            <a:off x="2286000" y="2663687"/>
+            <a:ext cx="5334000" cy="3440396"/>
           </a:xfrm>
         </p:spPr>
         <p:txBody>
@@ -15848,14 +16133,6 @@
           </a:bodyPr>
           <a:lstStyle/>
           <a:p>
-            <a:pPr rtl="0"/>
-            <a:r>
-              <a:rPr lang="pt-BR" sz="2000" dirty="0"/>
-              <a:t>Paletas de cores</a:t>
-            </a:r>
-          </a:p>
-          <a:p>
-            <a:pPr rtl="0"/>
             <a:r>
               <a:rPr lang="pt-BR" sz="2000" dirty="0"/>
               <a:t>Logo marca</a:t>
@@ -15865,14 +16142,20 @@
             <a:pPr rtl="0"/>
             <a:r>
               <a:rPr lang="pt-BR" sz="2000" dirty="0"/>
+              <a:t>Paleta de cores</a:t>
+            </a:r>
+          </a:p>
+          <a:p>
+            <a:pPr rtl="0"/>
+            <a:r>
+              <a:rPr lang="pt-BR" sz="2000" dirty="0"/>
+              <a:t>Estrutura do site</a:t>
+            </a:r>
+          </a:p>
+          <a:p>
+            <a:r>
+              <a:rPr lang="pt-BR" sz="2000" dirty="0"/>
               <a:t>Formatação de imagens</a:t>
-            </a:r>
-          </a:p>
-          <a:p>
-            <a:pPr rtl="0"/>
-            <a:r>
-              <a:rPr lang="pt-BR" sz="2000" dirty="0"/>
-              <a:t>Estrutura de site</a:t>
             </a:r>
           </a:p>
           <a:p>
@@ -15904,40 +16187,6 @@
           </a:p>
         </p:txBody>
       </p:sp>
-      <p:pic>
-        <p:nvPicPr>
-          <p:cNvPr id="13" name="Espaço Reservado para Imagem 12" descr="Café em uma mesa de madeira com água ">
-            <a:extLst>
-              <a:ext uri="{FF2B5EF4-FFF2-40B4-BE49-F238E27FC236}">
-                <a16:creationId xmlns:a16="http://schemas.microsoft.com/office/drawing/2014/main" id="{730189FF-93BC-4663-B776-E572DC6C0E4E}"/>
-              </a:ext>
-            </a:extLst>
-          </p:cNvPr>
-          <p:cNvPicPr>
-            <a:picLocks noGrp="1" noChangeAspect="1"/>
-          </p:cNvPicPr>
-          <p:nvPr>
-            <p:ph type="pic" sz="quarter" idx="14"/>
-          </p:nvPr>
-        </p:nvPicPr>
-        <p:blipFill rotWithShape="1">
-          <a:blip r:embed="rId4" cstate="screen">
-            <a:extLst>
-              <a:ext uri="{28A0092B-C50C-407E-A947-70E740481C1C}">
-                <a14:useLocalDpi xmlns:a14="http://schemas.microsoft.com/office/drawing/2010/main" val="0"/>
-              </a:ext>
-            </a:extLst>
-          </a:blip>
-          <a:srcRect/>
-          <a:stretch/>
-        </p:blipFill>
-        <p:spPr>
-          <a:xfrm>
-            <a:off x="6107466" y="0"/>
-            <a:ext cx="5820495" cy="2302951"/>
-          </a:xfrm>
-        </p:spPr>
-      </p:pic>
       <p:sp>
         <p:nvSpPr>
           <p:cNvPr id="2" name="Espaço Reservado para Data 1">
@@ -15973,74 +16222,6 @@
           </a:p>
         </p:txBody>
       </p:sp>
-      <p:sp>
-        <p:nvSpPr>
-          <p:cNvPr id="3" name="Espaço Reservado para Rodapé 2">
-            <a:extLst>
-              <a:ext uri="{FF2B5EF4-FFF2-40B4-BE49-F238E27FC236}">
-                <a16:creationId xmlns:a16="http://schemas.microsoft.com/office/drawing/2014/main" id="{85403A2D-E4C7-41F1-BAC7-0769C4828392}"/>
-              </a:ext>
-            </a:extLst>
-          </p:cNvPr>
-          <p:cNvSpPr>
-            <a:spLocks noGrp="1"/>
-          </p:cNvSpPr>
-          <p:nvPr>
-            <p:ph type="ftr" sz="quarter" idx="11"/>
-          </p:nvPr>
-        </p:nvSpPr>
-        <p:spPr>
-          <a:xfrm>
-            <a:off x="761999" y="6356350"/>
-            <a:ext cx="6612835" cy="365125"/>
-          </a:xfrm>
-        </p:spPr>
-        <p:txBody>
-          <a:bodyPr rtlCol="0"/>
-          <a:lstStyle/>
-          <a:p>
-            <a:pPr rtl="0"/>
-            <a:r>
-              <a:rPr lang="pt-BR"/>
-              <a:t>Amostra de Texto de Rodapé</a:t>
-            </a:r>
-          </a:p>
-        </p:txBody>
-      </p:sp>
-      <p:pic>
-        <p:nvPicPr>
-          <p:cNvPr id="15" name="Espaço Reservado para Imagem 14" descr="Um prato de comida e uma xícara de café em uma mesa">
-            <a:extLst>
-              <a:ext uri="{FF2B5EF4-FFF2-40B4-BE49-F238E27FC236}">
-                <a16:creationId xmlns:a16="http://schemas.microsoft.com/office/drawing/2014/main" id="{DDD35196-C0A0-4FF6-885D-696DD859D7AA}"/>
-              </a:ext>
-            </a:extLst>
-          </p:cNvPr>
-          <p:cNvPicPr>
-            <a:picLocks noGrp="1" noChangeAspect="1"/>
-          </p:cNvPicPr>
-          <p:nvPr>
-            <p:ph type="pic" sz="quarter" idx="15"/>
-          </p:nvPr>
-        </p:nvPicPr>
-        <p:blipFill rotWithShape="1">
-          <a:blip r:embed="rId5" cstate="screen">
-            <a:extLst>
-              <a:ext uri="{28A0092B-C50C-407E-A947-70E740481C1C}">
-                <a14:useLocalDpi xmlns:a14="http://schemas.microsoft.com/office/drawing/2010/main" val="0"/>
-              </a:ext>
-            </a:extLst>
-          </a:blip>
-          <a:srcRect/>
-          <a:stretch/>
-        </p:blipFill>
-        <p:spPr>
-          <a:xfrm>
-            <a:off x="7961955" y="3048002"/>
-            <a:ext cx="4230047" cy="3809998"/>
-          </a:xfrm>
-        </p:spPr>
-      </p:pic>
       <p:sp>
         <p:nvSpPr>
           <p:cNvPr id="4" name="Espaço Reservado para o Número do Slide 3">
@@ -16266,6 +16447,81 @@
           </a:p>
         </p:txBody>
       </p:sp>
+      <p:pic>
+        <p:nvPicPr>
+          <p:cNvPr id="14" name="Espaço Reservado para Imagem 13">
+            <a:extLst>
+              <a:ext uri="{FF2B5EF4-FFF2-40B4-BE49-F238E27FC236}">
+                <a16:creationId xmlns:a16="http://schemas.microsoft.com/office/drawing/2014/main" id="{C456CDC4-69CC-4698-B9EF-F2E352C96BEC}"/>
+              </a:ext>
+            </a:extLst>
+          </p:cNvPr>
+          <p:cNvPicPr>
+            <a:picLocks noGrp="1" noChangeAspect="1"/>
+          </p:cNvPicPr>
+          <p:nvPr>
+            <p:ph type="pic" sz="quarter" idx="15"/>
+          </p:nvPr>
+        </p:nvPicPr>
+        <p:blipFill>
+          <a:blip r:embed="rId3"/>
+          <a:srcRect t="14405" b="14405"/>
+          <a:stretch>
+            <a:fillRect/>
+          </a:stretch>
+        </p:blipFill>
+        <p:spPr/>
+      </p:pic>
+      <p:pic>
+        <p:nvPicPr>
+          <p:cNvPr id="20" name="Espaço Reservado para Imagem 19">
+            <a:extLst>
+              <a:ext uri="{FF2B5EF4-FFF2-40B4-BE49-F238E27FC236}">
+                <a16:creationId xmlns:a16="http://schemas.microsoft.com/office/drawing/2014/main" id="{6AD8D52D-7A8B-4A31-86CB-699134B71DE7}"/>
+              </a:ext>
+            </a:extLst>
+          </p:cNvPr>
+          <p:cNvPicPr>
+            <a:picLocks noGrp="1" noChangeAspect="1"/>
+          </p:cNvPicPr>
+          <p:nvPr>
+            <p:ph type="pic" sz="quarter" idx="14"/>
+          </p:nvPr>
+        </p:nvPicPr>
+        <p:blipFill>
+          <a:blip r:embed="rId4"/>
+          <a:srcRect t="30215" b="30215"/>
+          <a:stretch>
+            <a:fillRect/>
+          </a:stretch>
+        </p:blipFill>
+        <p:spPr/>
+      </p:pic>
+      <p:pic>
+        <p:nvPicPr>
+          <p:cNvPr id="24" name="Espaço Reservado para Imagem 23">
+            <a:extLst>
+              <a:ext uri="{FF2B5EF4-FFF2-40B4-BE49-F238E27FC236}">
+                <a16:creationId xmlns:a16="http://schemas.microsoft.com/office/drawing/2014/main" id="{CBE2537C-0FF6-4D1C-ABAF-AE400FCD921B}"/>
+              </a:ext>
+            </a:extLst>
+          </p:cNvPr>
+          <p:cNvPicPr>
+            <a:picLocks noGrp="1" noChangeAspect="1"/>
+          </p:cNvPicPr>
+          <p:nvPr>
+            <p:ph type="pic" sz="quarter" idx="13"/>
+          </p:nvPr>
+        </p:nvPicPr>
+        <p:blipFill>
+          <a:blip r:embed="rId5"/>
+          <a:srcRect l="33439" r="33439"/>
+          <a:stretch>
+            <a:fillRect/>
+          </a:stretch>
+        </p:blipFill>
+        <p:spPr/>
+      </p:pic>
     </p:spTree>
     <p:extLst>
       <p:ext uri="{BB962C8B-B14F-4D97-AF65-F5344CB8AC3E}">
@@ -16298,6 +16554,354 @@
       </p:grpSpPr>
       <p:sp>
         <p:nvSpPr>
+          <p:cNvPr id="2" name="Título 1">
+            <a:extLst>
+              <a:ext uri="{FF2B5EF4-FFF2-40B4-BE49-F238E27FC236}">
+                <a16:creationId xmlns:a16="http://schemas.microsoft.com/office/drawing/2014/main" id="{5AA6E458-85BF-461B-9D8D-D69FD6267A0C}"/>
+              </a:ext>
+            </a:extLst>
+          </p:cNvPr>
+          <p:cNvSpPr>
+            <a:spLocks noGrp="1"/>
+          </p:cNvSpPr>
+          <p:nvPr>
+            <p:ph type="title"/>
+          </p:nvPr>
+        </p:nvSpPr>
+        <p:spPr/>
+        <p:txBody>
+          <a:bodyPr/>
+          <a:lstStyle/>
+          <a:p>
+            <a:endParaRPr lang="en-NZ" dirty="0"/>
+          </a:p>
+        </p:txBody>
+      </p:sp>
+      <p:sp>
+        <p:nvSpPr>
+          <p:cNvPr id="3" name="Espaço Reservado para Data 2">
+            <a:extLst>
+              <a:ext uri="{FF2B5EF4-FFF2-40B4-BE49-F238E27FC236}">
+                <a16:creationId xmlns:a16="http://schemas.microsoft.com/office/drawing/2014/main" id="{7C77598A-99B7-4AE9-9C54-B2F5C5066E14}"/>
+              </a:ext>
+            </a:extLst>
+          </p:cNvPr>
+          <p:cNvSpPr>
+            <a:spLocks noGrp="1"/>
+          </p:cNvSpPr>
+          <p:nvPr>
+            <p:ph type="dt" sz="half" idx="10"/>
+          </p:nvPr>
+        </p:nvSpPr>
+        <p:spPr/>
+        <p:txBody>
+          <a:bodyPr/>
+          <a:lstStyle/>
+          <a:p>
+            <a:pPr rtl="0"/>
+            <a:r>
+              <a:rPr lang="pt-BR"/>
+              <a:t>01/02/20XX</a:t>
+            </a:r>
+            <a:endParaRPr lang="pt-BR" dirty="0"/>
+          </a:p>
+        </p:txBody>
+      </p:sp>
+      <p:sp>
+        <p:nvSpPr>
+          <p:cNvPr id="4" name="Espaço Reservado para Rodapé 3">
+            <a:extLst>
+              <a:ext uri="{FF2B5EF4-FFF2-40B4-BE49-F238E27FC236}">
+                <a16:creationId xmlns:a16="http://schemas.microsoft.com/office/drawing/2014/main" id="{34DE2EB4-194C-4E78-A03D-9EF2525055DC}"/>
+              </a:ext>
+            </a:extLst>
+          </p:cNvPr>
+          <p:cNvSpPr>
+            <a:spLocks noGrp="1"/>
+          </p:cNvSpPr>
+          <p:nvPr>
+            <p:ph type="ftr" sz="quarter" idx="11"/>
+          </p:nvPr>
+        </p:nvSpPr>
+        <p:spPr/>
+        <p:txBody>
+          <a:bodyPr/>
+          <a:lstStyle/>
+          <a:p>
+            <a:pPr rtl="0"/>
+            <a:r>
+              <a:rPr lang="pt-BR"/>
+              <a:t>Amostra de Texto de Rodapé</a:t>
+            </a:r>
+          </a:p>
+        </p:txBody>
+      </p:sp>
+      <p:sp>
+        <p:nvSpPr>
+          <p:cNvPr id="5" name="Espaço Reservado para Número de Slide 4">
+            <a:extLst>
+              <a:ext uri="{FF2B5EF4-FFF2-40B4-BE49-F238E27FC236}">
+                <a16:creationId xmlns:a16="http://schemas.microsoft.com/office/drawing/2014/main" id="{6E318D66-998B-440B-AF3D-30ECCFAC4315}"/>
+              </a:ext>
+            </a:extLst>
+          </p:cNvPr>
+          <p:cNvSpPr>
+            <a:spLocks noGrp="1"/>
+          </p:cNvSpPr>
+          <p:nvPr>
+            <p:ph type="sldNum" sz="quarter" idx="12"/>
+          </p:nvPr>
+        </p:nvSpPr>
+        <p:spPr/>
+        <p:txBody>
+          <a:bodyPr/>
+          <a:lstStyle/>
+          <a:p>
+            <a:pPr rtl="0"/>
+            <a:fld id="{07CE569E-9B7C-4CB9-AB80-C0841F922CFF}" type="slidenum">
+              <a:rPr lang="pt-BR" smtClean="0"/>
+              <a:t>4</a:t>
+            </a:fld>
+            <a:endParaRPr lang="pt-BR" dirty="0"/>
+          </a:p>
+        </p:txBody>
+      </p:sp>
+      <p:pic>
+        <p:nvPicPr>
+          <p:cNvPr id="7" name="Imagem 6">
+            <a:extLst>
+              <a:ext uri="{FF2B5EF4-FFF2-40B4-BE49-F238E27FC236}">
+                <a16:creationId xmlns:a16="http://schemas.microsoft.com/office/drawing/2014/main" id="{F039E370-B476-469F-91B8-85CD855AE7DB}"/>
+              </a:ext>
+            </a:extLst>
+          </p:cNvPr>
+          <p:cNvPicPr>
+            <a:picLocks noChangeAspect="1"/>
+          </p:cNvPicPr>
+          <p:nvPr/>
+        </p:nvPicPr>
+        <p:blipFill>
+          <a:blip r:embed="rId2"/>
+          <a:stretch>
+            <a:fillRect/>
+          </a:stretch>
+        </p:blipFill>
+        <p:spPr>
+          <a:xfrm>
+            <a:off x="0" y="0"/>
+            <a:ext cx="12192000" cy="6858000"/>
+          </a:xfrm>
+          <a:prstGeom prst="rect">
+            <a:avLst/>
+          </a:prstGeom>
+        </p:spPr>
+      </p:pic>
+    </p:spTree>
+    <p:extLst>
+      <p:ext uri="{BB962C8B-B14F-4D97-AF65-F5344CB8AC3E}">
+        <p14:creationId xmlns:p14="http://schemas.microsoft.com/office/powerpoint/2010/main" val="1488047535"/>
+      </p:ext>
+    </p:extLst>
+  </p:cSld>
+  <p:clrMapOvr>
+    <a:masterClrMapping/>
+  </p:clrMapOvr>
+</p:sld>
+</file>
+
+<file path=ppt/slides/slide5.xml><?xml version="1.0" encoding="utf-8"?>
+<p:sld xmlns:a="http://schemas.openxmlformats.org/drawingml/2006/main" xmlns:r="http://schemas.openxmlformats.org/officeDocument/2006/relationships" xmlns:p="http://schemas.openxmlformats.org/presentationml/2006/main">
+  <p:cSld>
+    <p:spTree>
+      <p:nvGrpSpPr>
+        <p:cNvPr id="1" name=""/>
+        <p:cNvGrpSpPr/>
+        <p:nvPr/>
+      </p:nvGrpSpPr>
+      <p:grpSpPr>
+        <a:xfrm>
+          <a:off x="0" y="0"/>
+          <a:ext cx="0" cy="0"/>
+          <a:chOff x="0" y="0"/>
+          <a:chExt cx="0" cy="0"/>
+        </a:xfrm>
+      </p:grpSpPr>
+      <p:sp>
+        <p:nvSpPr>
+          <p:cNvPr id="2" name="Título 1">
+            <a:extLst>
+              <a:ext uri="{FF2B5EF4-FFF2-40B4-BE49-F238E27FC236}">
+                <a16:creationId xmlns:a16="http://schemas.microsoft.com/office/drawing/2014/main" id="{8745A20D-0DA2-43E9-8473-EFBED3DF0F89}"/>
+              </a:ext>
+            </a:extLst>
+          </p:cNvPr>
+          <p:cNvSpPr>
+            <a:spLocks noGrp="1"/>
+          </p:cNvSpPr>
+          <p:nvPr>
+            <p:ph type="title"/>
+          </p:nvPr>
+        </p:nvSpPr>
+        <p:spPr/>
+        <p:txBody>
+          <a:bodyPr/>
+          <a:lstStyle/>
+          <a:p>
+            <a:endParaRPr lang="en-NZ"/>
+          </a:p>
+        </p:txBody>
+      </p:sp>
+      <p:sp>
+        <p:nvSpPr>
+          <p:cNvPr id="3" name="Espaço Reservado para Data 2">
+            <a:extLst>
+              <a:ext uri="{FF2B5EF4-FFF2-40B4-BE49-F238E27FC236}">
+                <a16:creationId xmlns:a16="http://schemas.microsoft.com/office/drawing/2014/main" id="{F66EAB71-1EE9-491C-9CA7-A9BD058AE41E}"/>
+              </a:ext>
+            </a:extLst>
+          </p:cNvPr>
+          <p:cNvSpPr>
+            <a:spLocks noGrp="1"/>
+          </p:cNvSpPr>
+          <p:nvPr>
+            <p:ph type="dt" sz="half" idx="10"/>
+          </p:nvPr>
+        </p:nvSpPr>
+        <p:spPr/>
+        <p:txBody>
+          <a:bodyPr/>
+          <a:lstStyle/>
+          <a:p>
+            <a:pPr rtl="0"/>
+            <a:r>
+              <a:rPr lang="pt-BR"/>
+              <a:t>01/02/20XX</a:t>
+            </a:r>
+            <a:endParaRPr lang="pt-BR" dirty="0"/>
+          </a:p>
+        </p:txBody>
+      </p:sp>
+      <p:sp>
+        <p:nvSpPr>
+          <p:cNvPr id="4" name="Espaço Reservado para Rodapé 3">
+            <a:extLst>
+              <a:ext uri="{FF2B5EF4-FFF2-40B4-BE49-F238E27FC236}">
+                <a16:creationId xmlns:a16="http://schemas.microsoft.com/office/drawing/2014/main" id="{A87EC3DD-4687-43B0-90AC-7C4EC305A3FB}"/>
+              </a:ext>
+            </a:extLst>
+          </p:cNvPr>
+          <p:cNvSpPr>
+            <a:spLocks noGrp="1"/>
+          </p:cNvSpPr>
+          <p:nvPr>
+            <p:ph type="ftr" sz="quarter" idx="11"/>
+          </p:nvPr>
+        </p:nvSpPr>
+        <p:spPr/>
+        <p:txBody>
+          <a:bodyPr/>
+          <a:lstStyle/>
+          <a:p>
+            <a:pPr rtl="0"/>
+            <a:r>
+              <a:rPr lang="pt-BR"/>
+              <a:t>Amostra de Texto de Rodapé</a:t>
+            </a:r>
+          </a:p>
+        </p:txBody>
+      </p:sp>
+      <p:sp>
+        <p:nvSpPr>
+          <p:cNvPr id="5" name="Espaço Reservado para Número de Slide 4">
+            <a:extLst>
+              <a:ext uri="{FF2B5EF4-FFF2-40B4-BE49-F238E27FC236}">
+                <a16:creationId xmlns:a16="http://schemas.microsoft.com/office/drawing/2014/main" id="{CE49327C-769D-435A-BB65-CDE8DC9ABD27}"/>
+              </a:ext>
+            </a:extLst>
+          </p:cNvPr>
+          <p:cNvSpPr>
+            <a:spLocks noGrp="1"/>
+          </p:cNvSpPr>
+          <p:nvPr>
+            <p:ph type="sldNum" sz="quarter" idx="12"/>
+          </p:nvPr>
+        </p:nvSpPr>
+        <p:spPr/>
+        <p:txBody>
+          <a:bodyPr/>
+          <a:lstStyle/>
+          <a:p>
+            <a:pPr rtl="0"/>
+            <a:fld id="{07CE569E-9B7C-4CB9-AB80-C0841F922CFF}" type="slidenum">
+              <a:rPr lang="pt-BR" smtClean="0"/>
+              <a:t>5</a:t>
+            </a:fld>
+            <a:endParaRPr lang="pt-BR" dirty="0"/>
+          </a:p>
+        </p:txBody>
+      </p:sp>
+      <p:pic>
+        <p:nvPicPr>
+          <p:cNvPr id="7" name="Imagem 6">
+            <a:extLst>
+              <a:ext uri="{FF2B5EF4-FFF2-40B4-BE49-F238E27FC236}">
+                <a16:creationId xmlns:a16="http://schemas.microsoft.com/office/drawing/2014/main" id="{04318246-698A-40AA-8A67-E3E691CCF03A}"/>
+              </a:ext>
+            </a:extLst>
+          </p:cNvPr>
+          <p:cNvPicPr>
+            <a:picLocks noChangeAspect="1"/>
+          </p:cNvPicPr>
+          <p:nvPr/>
+        </p:nvPicPr>
+        <p:blipFill>
+          <a:blip r:embed="rId2"/>
+          <a:stretch>
+            <a:fillRect/>
+          </a:stretch>
+        </p:blipFill>
+        <p:spPr>
+          <a:xfrm>
+            <a:off x="0" y="0"/>
+            <a:ext cx="12192000" cy="6857999"/>
+          </a:xfrm>
+          <a:prstGeom prst="rect">
+            <a:avLst/>
+          </a:prstGeom>
+        </p:spPr>
+      </p:pic>
+    </p:spTree>
+    <p:extLst>
+      <p:ext uri="{BB962C8B-B14F-4D97-AF65-F5344CB8AC3E}">
+        <p14:creationId xmlns:p14="http://schemas.microsoft.com/office/powerpoint/2010/main" val="3517100259"/>
+      </p:ext>
+    </p:extLst>
+  </p:cSld>
+  <p:clrMapOvr>
+    <a:masterClrMapping/>
+  </p:clrMapOvr>
+</p:sld>
+</file>
+
+<file path=ppt/slides/slide6.xml><?xml version="1.0" encoding="utf-8"?>
+<p:sld xmlns:a="http://schemas.openxmlformats.org/drawingml/2006/main" xmlns:r="http://schemas.openxmlformats.org/officeDocument/2006/relationships" xmlns:p="http://schemas.openxmlformats.org/presentationml/2006/main">
+  <p:cSld>
+    <p:spTree>
+      <p:nvGrpSpPr>
+        <p:cNvPr id="1" name=""/>
+        <p:cNvGrpSpPr/>
+        <p:nvPr/>
+      </p:nvGrpSpPr>
+      <p:grpSpPr>
+        <a:xfrm>
+          <a:off x="0" y="0"/>
+          <a:ext cx="0" cy="0"/>
+          <a:chOff x="0" y="0"/>
+          <a:chExt cx="0" cy="0"/>
+        </a:xfrm>
+      </p:grpSpPr>
+      <p:sp>
+        <p:nvSpPr>
           <p:cNvPr id="4" name="Título 3">
             <a:extLst>
               <a:ext uri="{FF2B5EF4-FFF2-40B4-BE49-F238E27FC236}">
@@ -16326,40 +16930,6 @@
             <a:r>
               <a:rPr lang="pt-BR" dirty="0"/>
               <a:t>Opções de Web-design</a:t>
-            </a:r>
-          </a:p>
-        </p:txBody>
-      </p:sp>
-      <p:sp>
-        <p:nvSpPr>
-          <p:cNvPr id="25" name="Subtítulo 24">
-            <a:extLst>
-              <a:ext uri="{FF2B5EF4-FFF2-40B4-BE49-F238E27FC236}">
-                <a16:creationId xmlns:a16="http://schemas.microsoft.com/office/drawing/2014/main" id="{6DE5B68D-3F40-49E3-AD18-FD71AF082A83}"/>
-              </a:ext>
-            </a:extLst>
-          </p:cNvPr>
-          <p:cNvSpPr>
-            <a:spLocks noGrp="1"/>
-          </p:cNvSpPr>
-          <p:nvPr>
-            <p:ph type="subTitle" idx="1"/>
-          </p:nvPr>
-        </p:nvSpPr>
-        <p:spPr>
-          <a:xfrm>
-            <a:off x="5334000" y="4571999"/>
-            <a:ext cx="4594502" cy="1524000"/>
-          </a:xfrm>
-        </p:spPr>
-        <p:txBody>
-          <a:bodyPr rtlCol="0"/>
-          <a:lstStyle/>
-          <a:p>
-            <a:pPr rtl="0"/>
-            <a:r>
-              <a:rPr lang="pt-BR" dirty="0"/>
-              <a:t>Subtítulo</a:t>
             </a:r>
           </a:p>
         </p:txBody>
@@ -16873,373 +17443,6 @@
 </p:sld>
 </file>
 
-<file path=ppt/slides/slide5.xml><?xml version="1.0" encoding="utf-8"?>
-<p:sld xmlns:a="http://schemas.openxmlformats.org/drawingml/2006/main" xmlns:r="http://schemas.openxmlformats.org/officeDocument/2006/relationships" xmlns:p="http://schemas.openxmlformats.org/presentationml/2006/main">
-  <p:cSld>
-    <p:spTree>
-      <p:nvGrpSpPr>
-        <p:cNvPr id="1" name=""/>
-        <p:cNvGrpSpPr/>
-        <p:nvPr/>
-      </p:nvGrpSpPr>
-      <p:grpSpPr>
-        <a:xfrm>
-          <a:off x="0" y="0"/>
-          <a:ext cx="0" cy="0"/>
-          <a:chOff x="0" y="0"/>
-          <a:chExt cx="0" cy="0"/>
-        </a:xfrm>
-      </p:grpSpPr>
-      <p:sp>
-        <p:nvSpPr>
-          <p:cNvPr id="11" name="Título 10">
-            <a:extLst>
-              <a:ext uri="{FF2B5EF4-FFF2-40B4-BE49-F238E27FC236}">
-                <a16:creationId xmlns:a16="http://schemas.microsoft.com/office/drawing/2014/main" id="{04ABDAF7-BFCA-4B52-805A-736887EB7C85}"/>
-              </a:ext>
-            </a:extLst>
-          </p:cNvPr>
-          <p:cNvSpPr>
-            <a:spLocks noGrp="1"/>
-          </p:cNvSpPr>
-          <p:nvPr>
-            <p:ph type="title"/>
-          </p:nvPr>
-        </p:nvSpPr>
-        <p:spPr>
-          <a:xfrm>
-            <a:off x="762000" y="762000"/>
-            <a:ext cx="10668000" cy="1524000"/>
-          </a:xfrm>
-        </p:spPr>
-        <p:txBody>
-          <a:bodyPr rtlCol="0"/>
-          <a:lstStyle/>
-          <a:p>
-            <a:pPr rtl="0"/>
-            <a:r>
-              <a:rPr lang="pt-BR" dirty="0"/>
-              <a:t>Barra de rolagem</a:t>
-            </a:r>
-          </a:p>
-        </p:txBody>
-      </p:sp>
-      <p:sp>
-        <p:nvSpPr>
-          <p:cNvPr id="20" name="Espaço Reservado para Data 19">
-            <a:extLst>
-              <a:ext uri="{FF2B5EF4-FFF2-40B4-BE49-F238E27FC236}">
-                <a16:creationId xmlns:a16="http://schemas.microsoft.com/office/drawing/2014/main" id="{8FBCCCF6-B802-4A73-BF18-2EFAC52C0341}"/>
-              </a:ext>
-            </a:extLst>
-          </p:cNvPr>
-          <p:cNvSpPr>
-            <a:spLocks noGrp="1"/>
-          </p:cNvSpPr>
-          <p:nvPr>
-            <p:ph type="dt" sz="half" idx="10"/>
-          </p:nvPr>
-        </p:nvSpPr>
-        <p:spPr>
-          <a:xfrm>
-            <a:off x="9389165" y="194320"/>
-            <a:ext cx="2040835" cy="365125"/>
-          </a:xfrm>
-        </p:spPr>
-        <p:txBody>
-          <a:bodyPr rtlCol="0"/>
-          <a:lstStyle/>
-          <a:p>
-            <a:pPr rtl="0"/>
-            <a:r>
-              <a:rPr lang="pt-BR"/>
-              <a:t>01/02/20XX</a:t>
-            </a:r>
-            <a:endParaRPr lang="pt-BR" dirty="0"/>
-          </a:p>
-        </p:txBody>
-      </p:sp>
-      <p:sp>
-        <p:nvSpPr>
-          <p:cNvPr id="21" name="Espaço Reservado para Rodapé 20">
-            <a:extLst>
-              <a:ext uri="{FF2B5EF4-FFF2-40B4-BE49-F238E27FC236}">
-                <a16:creationId xmlns:a16="http://schemas.microsoft.com/office/drawing/2014/main" id="{5C4FB2C7-8DF7-4BE7-943E-FA422399DA3A}"/>
-              </a:ext>
-            </a:extLst>
-          </p:cNvPr>
-          <p:cNvSpPr>
-            <a:spLocks noGrp="1"/>
-          </p:cNvSpPr>
-          <p:nvPr>
-            <p:ph type="ftr" sz="quarter" idx="11"/>
-          </p:nvPr>
-        </p:nvSpPr>
-        <p:spPr>
-          <a:xfrm>
-            <a:off x="761999" y="6356350"/>
-            <a:ext cx="6612835" cy="365125"/>
-          </a:xfrm>
-        </p:spPr>
-        <p:txBody>
-          <a:bodyPr rtlCol="0"/>
-          <a:lstStyle/>
-          <a:p>
-            <a:pPr rtl="0"/>
-            <a:r>
-              <a:rPr lang="pt-BR"/>
-              <a:t>Amostra de Texto de Rodapé</a:t>
-            </a:r>
-          </a:p>
-        </p:txBody>
-      </p:sp>
-      <p:sp>
-        <p:nvSpPr>
-          <p:cNvPr id="22" name="Espaço Reservado para o Número do Slide 21">
-            <a:extLst>
-              <a:ext uri="{FF2B5EF4-FFF2-40B4-BE49-F238E27FC236}">
-                <a16:creationId xmlns:a16="http://schemas.microsoft.com/office/drawing/2014/main" id="{71E0E5CE-236B-487E-AC72-58779AC36A32}"/>
-              </a:ext>
-            </a:extLst>
-          </p:cNvPr>
-          <p:cNvSpPr>
-            <a:spLocks noGrp="1"/>
-          </p:cNvSpPr>
-          <p:nvPr>
-            <p:ph type="sldNum" sz="quarter" idx="12"/>
-          </p:nvPr>
-        </p:nvSpPr>
-        <p:spPr>
-          <a:xfrm>
-            <a:off x="9906000" y="6356350"/>
-            <a:ext cx="1524000" cy="365125"/>
-          </a:xfrm>
-        </p:spPr>
-        <p:txBody>
-          <a:bodyPr rtlCol="0"/>
-          <a:lstStyle/>
-          <a:p>
-            <a:pPr rtl="0"/>
-            <a:fld id="{07CE569E-9B7C-4CB9-AB80-C0841F922CFF}" type="slidenum">
-              <a:rPr lang="pt-BR" smtClean="0"/>
-              <a:pPr/>
-              <a:t>5</a:t>
-            </a:fld>
-            <a:endParaRPr lang="pt-BR" dirty="0"/>
-          </a:p>
-        </p:txBody>
-      </p:sp>
-      <p:sp>
-        <p:nvSpPr>
-          <p:cNvPr id="5" name="Espaço Reservado para Conteúdo 4">
-            <a:extLst>
-              <a:ext uri="{FF2B5EF4-FFF2-40B4-BE49-F238E27FC236}">
-                <a16:creationId xmlns:a16="http://schemas.microsoft.com/office/drawing/2014/main" id="{0E01DFFB-2FC8-41B3-9D99-0CF72BFF5DD7}"/>
-              </a:ext>
-            </a:extLst>
-          </p:cNvPr>
-          <p:cNvSpPr>
-            <a:spLocks noGrp="1"/>
-          </p:cNvSpPr>
-          <p:nvPr>
-            <p:ph idx="1"/>
-          </p:nvPr>
-        </p:nvSpPr>
-        <p:spPr/>
-        <p:txBody>
-          <a:bodyPr/>
-          <a:lstStyle/>
-          <a:p>
-            <a:endParaRPr lang="en-NZ"/>
-          </a:p>
-        </p:txBody>
-      </p:sp>
-    </p:spTree>
-    <p:extLst>
-      <p:ext uri="{BB962C8B-B14F-4D97-AF65-F5344CB8AC3E}">
-        <p14:creationId xmlns:p14="http://schemas.microsoft.com/office/powerpoint/2010/main" val="1883819263"/>
-      </p:ext>
-    </p:extLst>
-  </p:cSld>
-  <p:clrMapOvr>
-    <a:masterClrMapping/>
-  </p:clrMapOvr>
-</p:sld>
-</file>
-
-<file path=ppt/slides/slide6.xml><?xml version="1.0" encoding="utf-8"?>
-<p:sld xmlns:a="http://schemas.openxmlformats.org/drawingml/2006/main" xmlns:r="http://schemas.openxmlformats.org/officeDocument/2006/relationships" xmlns:p="http://schemas.openxmlformats.org/presentationml/2006/main">
-  <p:cSld>
-    <p:spTree>
-      <p:nvGrpSpPr>
-        <p:cNvPr id="1" name=""/>
-        <p:cNvGrpSpPr/>
-        <p:nvPr/>
-      </p:nvGrpSpPr>
-      <p:grpSpPr>
-        <a:xfrm>
-          <a:off x="0" y="0"/>
-          <a:ext cx="0" cy="0"/>
-          <a:chOff x="0" y="0"/>
-          <a:chExt cx="0" cy="0"/>
-        </a:xfrm>
-      </p:grpSpPr>
-      <p:sp>
-        <p:nvSpPr>
-          <p:cNvPr id="2" name="Título 1">
-            <a:extLst>
-              <a:ext uri="{FF2B5EF4-FFF2-40B4-BE49-F238E27FC236}">
-                <a16:creationId xmlns:a16="http://schemas.microsoft.com/office/drawing/2014/main" id="{3B836E06-B962-4BF4-AAE3-1E71538DAEE5}"/>
-              </a:ext>
-            </a:extLst>
-          </p:cNvPr>
-          <p:cNvSpPr>
-            <a:spLocks noGrp="1"/>
-          </p:cNvSpPr>
-          <p:nvPr>
-            <p:ph type="title"/>
-          </p:nvPr>
-        </p:nvSpPr>
-        <p:spPr/>
-        <p:txBody>
-          <a:bodyPr/>
-          <a:lstStyle/>
-          <a:p>
-            <a:r>
-              <a:rPr lang="pt-BR" dirty="0"/>
-              <a:t>Carrinho</a:t>
-            </a:r>
-            <a:endParaRPr lang="en-NZ" dirty="0"/>
-          </a:p>
-        </p:txBody>
-      </p:sp>
-      <p:sp>
-        <p:nvSpPr>
-          <p:cNvPr id="3" name="Espaço Reservado para Conteúdo 2">
-            <a:extLst>
-              <a:ext uri="{FF2B5EF4-FFF2-40B4-BE49-F238E27FC236}">
-                <a16:creationId xmlns:a16="http://schemas.microsoft.com/office/drawing/2014/main" id="{CD61CB3D-2D59-46F4-A1B5-B99B4F3C15D9}"/>
-              </a:ext>
-            </a:extLst>
-          </p:cNvPr>
-          <p:cNvSpPr>
-            <a:spLocks noGrp="1"/>
-          </p:cNvSpPr>
-          <p:nvPr>
-            <p:ph idx="1"/>
-          </p:nvPr>
-        </p:nvSpPr>
-        <p:spPr/>
-        <p:txBody>
-          <a:bodyPr/>
-          <a:lstStyle/>
-          <a:p>
-            <a:endParaRPr lang="en-NZ"/>
-          </a:p>
-        </p:txBody>
-      </p:sp>
-      <p:sp>
-        <p:nvSpPr>
-          <p:cNvPr id="4" name="Espaço Reservado para Data 3">
-            <a:extLst>
-              <a:ext uri="{FF2B5EF4-FFF2-40B4-BE49-F238E27FC236}">
-                <a16:creationId xmlns:a16="http://schemas.microsoft.com/office/drawing/2014/main" id="{666FE667-5054-4AC3-ACBF-EE8D8B40530E}"/>
-              </a:ext>
-            </a:extLst>
-          </p:cNvPr>
-          <p:cNvSpPr>
-            <a:spLocks noGrp="1"/>
-          </p:cNvSpPr>
-          <p:nvPr>
-            <p:ph type="dt" sz="half" idx="10"/>
-          </p:nvPr>
-        </p:nvSpPr>
-        <p:spPr/>
-        <p:txBody>
-          <a:bodyPr/>
-          <a:lstStyle/>
-          <a:p>
-            <a:pPr rtl="0"/>
-            <a:r>
-              <a:rPr lang="pt-BR"/>
-              <a:t>01/02/20XX</a:t>
-            </a:r>
-            <a:endParaRPr lang="pt-BR" dirty="0"/>
-          </a:p>
-        </p:txBody>
-      </p:sp>
-      <p:sp>
-        <p:nvSpPr>
-          <p:cNvPr id="5" name="Espaço Reservado para Rodapé 4">
-            <a:extLst>
-              <a:ext uri="{FF2B5EF4-FFF2-40B4-BE49-F238E27FC236}">
-                <a16:creationId xmlns:a16="http://schemas.microsoft.com/office/drawing/2014/main" id="{E6049F4B-B491-4ED2-B548-1DD4D2FD502B}"/>
-              </a:ext>
-            </a:extLst>
-          </p:cNvPr>
-          <p:cNvSpPr>
-            <a:spLocks noGrp="1"/>
-          </p:cNvSpPr>
-          <p:nvPr>
-            <p:ph type="ftr" sz="quarter" idx="11"/>
-          </p:nvPr>
-        </p:nvSpPr>
-        <p:spPr/>
-        <p:txBody>
-          <a:bodyPr/>
-          <a:lstStyle/>
-          <a:p>
-            <a:pPr rtl="0"/>
-            <a:r>
-              <a:rPr lang="pt-BR"/>
-              <a:t>Amostra de Texto de Rodapé</a:t>
-            </a:r>
-          </a:p>
-        </p:txBody>
-      </p:sp>
-      <p:sp>
-        <p:nvSpPr>
-          <p:cNvPr id="6" name="Espaço Reservado para Número de Slide 5">
-            <a:extLst>
-              <a:ext uri="{FF2B5EF4-FFF2-40B4-BE49-F238E27FC236}">
-                <a16:creationId xmlns:a16="http://schemas.microsoft.com/office/drawing/2014/main" id="{7BEE7447-0A29-4AA7-913E-DAF380B48A09}"/>
-              </a:ext>
-            </a:extLst>
-          </p:cNvPr>
-          <p:cNvSpPr>
-            <a:spLocks noGrp="1"/>
-          </p:cNvSpPr>
-          <p:nvPr>
-            <p:ph type="sldNum" sz="quarter" idx="12"/>
-          </p:nvPr>
-        </p:nvSpPr>
-        <p:spPr/>
-        <p:txBody>
-          <a:bodyPr/>
-          <a:lstStyle/>
-          <a:p>
-            <a:pPr rtl="0"/>
-            <a:fld id="{07CE569E-9B7C-4CB9-AB80-C0841F922CFF}" type="slidenum">
-              <a:rPr lang="pt-BR" smtClean="0"/>
-              <a:t>6</a:t>
-            </a:fld>
-            <a:endParaRPr lang="pt-BR" dirty="0"/>
-          </a:p>
-        </p:txBody>
-      </p:sp>
-    </p:spTree>
-    <p:extLst>
-      <p:ext uri="{BB962C8B-B14F-4D97-AF65-F5344CB8AC3E}">
-        <p14:creationId xmlns:p14="http://schemas.microsoft.com/office/powerpoint/2010/main" val="916289049"/>
-      </p:ext>
-    </p:extLst>
-  </p:cSld>
-  <p:clrMapOvr>
-    <a:masterClrMapping/>
-  </p:clrMapOvr>
-</p:sld>
-</file>
-
 <file path=ppt/slides/slide7.xml><?xml version="1.0" encoding="utf-8"?>
 <p:sld xmlns:a="http://schemas.openxmlformats.org/drawingml/2006/main" xmlns:r="http://schemas.openxmlformats.org/officeDocument/2006/relationships" xmlns:p="http://schemas.openxmlformats.org/presentationml/2006/main">
   <p:cSld>
@@ -17259,10 +17462,10 @@
       </p:grpSpPr>
       <p:sp>
         <p:nvSpPr>
-          <p:cNvPr id="5" name="Título 4">
-            <a:extLst>
-              <a:ext uri="{FF2B5EF4-FFF2-40B4-BE49-F238E27FC236}">
-                <a16:creationId xmlns:a16="http://schemas.microsoft.com/office/drawing/2014/main" id="{9175A73F-B407-4F1B-BA54-CF25554AD2A4}"/>
+          <p:cNvPr id="11" name="Título 10">
+            <a:extLst>
+              <a:ext uri="{FF2B5EF4-FFF2-40B4-BE49-F238E27FC236}">
+                <a16:creationId xmlns:a16="http://schemas.microsoft.com/office/drawing/2014/main" id="{04ABDAF7-BFCA-4B52-805A-736887EB7C85}"/>
               </a:ext>
             </a:extLst>
           </p:cNvPr>
@@ -17286,86 +17489,17 @@
             <a:pPr rtl="0"/>
             <a:r>
               <a:rPr lang="pt-BR" dirty="0"/>
-              <a:t>Sistema de reserva</a:t>
-            </a:r>
-          </a:p>
-        </p:txBody>
-      </p:sp>
-      <p:sp>
-        <p:nvSpPr>
-          <p:cNvPr id="2" name="Espaço Reservado para Data 1">
-            <a:extLst>
-              <a:ext uri="{FF2B5EF4-FFF2-40B4-BE49-F238E27FC236}">
-                <a16:creationId xmlns:a16="http://schemas.microsoft.com/office/drawing/2014/main" id="{A5FEF828-77F5-4089-A75E-6F4113556F71}"/>
-              </a:ext>
-            </a:extLst>
-          </p:cNvPr>
-          <p:cNvSpPr>
-            <a:spLocks noGrp="1"/>
-          </p:cNvSpPr>
-          <p:nvPr>
-            <p:ph type="dt" sz="half" idx="10"/>
-          </p:nvPr>
-        </p:nvSpPr>
-        <p:spPr>
-          <a:xfrm>
-            <a:off x="9389165" y="194320"/>
-            <a:ext cx="2040835" cy="365125"/>
-          </a:xfrm>
-        </p:spPr>
-        <p:txBody>
-          <a:bodyPr rtlCol="0"/>
-          <a:lstStyle/>
-          <a:p>
-            <a:pPr rtl="0"/>
-            <a:r>
-              <a:rPr lang="pt-BR"/>
-              <a:t>01/02/20XX</a:t>
-            </a:r>
-            <a:endParaRPr lang="pt-BR" dirty="0"/>
-          </a:p>
-        </p:txBody>
-      </p:sp>
-      <p:sp>
-        <p:nvSpPr>
-          <p:cNvPr id="3" name="Espaço Reservado para Rodapé 2">
-            <a:extLst>
-              <a:ext uri="{FF2B5EF4-FFF2-40B4-BE49-F238E27FC236}">
-                <a16:creationId xmlns:a16="http://schemas.microsoft.com/office/drawing/2014/main" id="{0B299D30-316D-4AFC-82B4-C9B0C385F438}"/>
-              </a:ext>
-            </a:extLst>
-          </p:cNvPr>
-          <p:cNvSpPr>
-            <a:spLocks noGrp="1"/>
-          </p:cNvSpPr>
-          <p:nvPr>
-            <p:ph type="ftr" sz="quarter" idx="11"/>
-          </p:nvPr>
-        </p:nvSpPr>
-        <p:spPr>
-          <a:xfrm>
-            <a:off x="761999" y="6356350"/>
-            <a:ext cx="6612835" cy="365125"/>
-          </a:xfrm>
-        </p:spPr>
-        <p:txBody>
-          <a:bodyPr rtlCol="0"/>
-          <a:lstStyle/>
-          <a:p>
-            <a:pPr rtl="0"/>
-            <a:r>
-              <a:rPr lang="pt-BR"/>
-              <a:t>Amostra de Texto de Rodapé</a:t>
-            </a:r>
-          </a:p>
-        </p:txBody>
-      </p:sp>
-      <p:sp>
-        <p:nvSpPr>
-          <p:cNvPr id="4" name="Espaço Reservado para o Número do Slide 3">
-            <a:extLst>
-              <a:ext uri="{FF2B5EF4-FFF2-40B4-BE49-F238E27FC236}">
-                <a16:creationId xmlns:a16="http://schemas.microsoft.com/office/drawing/2014/main" id="{1763C127-A8DA-4EC3-801E-732A899AC82B}"/>
+              <a:t>Barra de rolagem</a:t>
+            </a:r>
+          </a:p>
+        </p:txBody>
+      </p:sp>
+      <p:sp>
+        <p:nvSpPr>
+          <p:cNvPr id="22" name="Espaço Reservado para o Número do Slide 21">
+            <a:extLst>
+              <a:ext uri="{FF2B5EF4-FFF2-40B4-BE49-F238E27FC236}">
+                <a16:creationId xmlns:a16="http://schemas.microsoft.com/office/drawing/2014/main" id="{71E0E5CE-236B-487E-AC72-58779AC36A32}"/>
               </a:ext>
             </a:extLst>
           </p:cNvPr>
@@ -17398,10 +17532,10 @@
       </p:sp>
       <p:sp>
         <p:nvSpPr>
-          <p:cNvPr id="8" name="Espaço Reservado para Conteúdo 7">
-            <a:extLst>
-              <a:ext uri="{FF2B5EF4-FFF2-40B4-BE49-F238E27FC236}">
-                <a16:creationId xmlns:a16="http://schemas.microsoft.com/office/drawing/2014/main" id="{E2E8EB3C-A121-477C-94BA-6DF0337A7AAD}"/>
+          <p:cNvPr id="5" name="Espaço Reservado para Conteúdo 4">
+            <a:extLst>
+              <a:ext uri="{FF2B5EF4-FFF2-40B4-BE49-F238E27FC236}">
+                <a16:creationId xmlns:a16="http://schemas.microsoft.com/office/drawing/2014/main" id="{0E01DFFB-2FC8-41B3-9D99-0CF72BFF5DD7}"/>
               </a:ext>
             </a:extLst>
           </p:cNvPr>
@@ -17417,14 +17551,14 @@
           <a:bodyPr/>
           <a:lstStyle/>
           <a:p>
-            <a:endParaRPr lang="en-NZ"/>
+            <a:endParaRPr lang="en-NZ" dirty="0"/>
           </a:p>
         </p:txBody>
       </p:sp>
     </p:spTree>
     <p:extLst>
       <p:ext uri="{BB962C8B-B14F-4D97-AF65-F5344CB8AC3E}">
-        <p14:creationId xmlns:p14="http://schemas.microsoft.com/office/powerpoint/2010/main" val="947216270"/>
+        <p14:creationId xmlns:p14="http://schemas.microsoft.com/office/powerpoint/2010/main" val="1883819263"/>
       </p:ext>
     </p:extLst>
   </p:cSld>
@@ -17453,10 +17587,10 @@
       </p:grpSpPr>
       <p:sp>
         <p:nvSpPr>
-          <p:cNvPr id="12" name="Título 11">
-            <a:extLst>
-              <a:ext uri="{FF2B5EF4-FFF2-40B4-BE49-F238E27FC236}">
-                <a16:creationId xmlns:a16="http://schemas.microsoft.com/office/drawing/2014/main" id="{D66DAC07-E75A-4734-B2FD-40A29CC0D317}"/>
+          <p:cNvPr id="2" name="Título 1">
+            <a:extLst>
+              <a:ext uri="{FF2B5EF4-FFF2-40B4-BE49-F238E27FC236}">
+                <a16:creationId xmlns:a16="http://schemas.microsoft.com/office/drawing/2014/main" id="{3B836E06-B962-4BF4-AAE3-1E71538DAEE5}"/>
               </a:ext>
             </a:extLst>
           </p:cNvPr>
@@ -17467,207 +17601,50 @@
             <p:ph type="title"/>
           </p:nvPr>
         </p:nvSpPr>
-        <p:spPr>
-          <a:xfrm>
-            <a:off x="751521" y="1732785"/>
-            <a:ext cx="5263199" cy="1524000"/>
-          </a:xfrm>
-        </p:spPr>
-        <p:txBody>
-          <a:bodyPr rtlCol="0">
-            <a:noAutofit/>
-          </a:bodyPr>
+        <p:spPr/>
+        <p:txBody>
+          <a:bodyPr/>
           <a:lstStyle/>
           <a:p>
-            <a:pPr rtl="0"/>
             <a:r>
               <a:rPr lang="pt-BR" dirty="0"/>
-              <a:t>Segurança digital</a:t>
-            </a:r>
-          </a:p>
-        </p:txBody>
-      </p:sp>
-      <p:sp>
-        <p:nvSpPr>
-          <p:cNvPr id="6" name="Espaço Reservado para Conteúdo 5">
-            <a:extLst>
-              <a:ext uri="{FF2B5EF4-FFF2-40B4-BE49-F238E27FC236}">
-                <a16:creationId xmlns:a16="http://schemas.microsoft.com/office/drawing/2014/main" id="{0097A08C-ABD3-463C-AAAE-350E636006C3}"/>
-              </a:ext>
-            </a:extLst>
-          </p:cNvPr>
-          <p:cNvSpPr>
-            <a:spLocks noGrp="1"/>
-          </p:cNvSpPr>
-          <p:nvPr>
-            <p:ph sz="quarter" idx="15"/>
-          </p:nvPr>
-        </p:nvSpPr>
-        <p:spPr>
-          <a:xfrm>
-            <a:off x="751521" y="3269458"/>
-            <a:ext cx="5344477" cy="3092449"/>
-          </a:xfrm>
-        </p:spPr>
-        <p:txBody>
-          <a:bodyPr rtlCol="0" anchor="ctr" anchorCtr="0"/>
+              <a:t>Carrinho</a:t>
+            </a:r>
+            <a:endParaRPr lang="en-NZ" dirty="0"/>
+          </a:p>
+        </p:txBody>
+      </p:sp>
+      <p:sp>
+        <p:nvSpPr>
+          <p:cNvPr id="3" name="Espaço Reservado para Conteúdo 2">
+            <a:extLst>
+              <a:ext uri="{FF2B5EF4-FFF2-40B4-BE49-F238E27FC236}">
+                <a16:creationId xmlns:a16="http://schemas.microsoft.com/office/drawing/2014/main" id="{CD61CB3D-2D59-46F4-A1B5-B99B4F3C15D9}"/>
+              </a:ext>
+            </a:extLst>
+          </p:cNvPr>
+          <p:cNvSpPr>
+            <a:spLocks noGrp="1"/>
+          </p:cNvSpPr>
+          <p:nvPr>
+            <p:ph idx="1"/>
+          </p:nvPr>
+        </p:nvSpPr>
+        <p:spPr/>
+        <p:txBody>
+          <a:bodyPr/>
           <a:lstStyle/>
           <a:p>
-            <a:pPr rtl="0"/>
-            <a:r>
-              <a:rPr lang="pt-BR"/>
-              <a:t>Walt Disney</a:t>
-            </a:r>
-          </a:p>
-          <a:p>
-            <a:pPr rtl="0"/>
-            <a:endParaRPr lang="pt-BR" dirty="0"/>
-          </a:p>
-        </p:txBody>
-      </p:sp>
-      <p:sp>
-        <p:nvSpPr>
-          <p:cNvPr id="2" name="Espaço Reservado para Data 1">
-            <a:extLst>
-              <a:ext uri="{FF2B5EF4-FFF2-40B4-BE49-F238E27FC236}">
-                <a16:creationId xmlns:a16="http://schemas.microsoft.com/office/drawing/2014/main" id="{ABB59987-20C7-44CA-B0D1-D87A45033937}"/>
-              </a:ext>
-            </a:extLst>
-          </p:cNvPr>
-          <p:cNvSpPr>
-            <a:spLocks noGrp="1"/>
-          </p:cNvSpPr>
-          <p:nvPr>
-            <p:ph type="dt" sz="half" idx="10"/>
-          </p:nvPr>
-        </p:nvSpPr>
-        <p:spPr>
-          <a:xfrm>
-            <a:off x="9389165" y="194320"/>
-            <a:ext cx="2040835" cy="365125"/>
-          </a:xfrm>
-        </p:spPr>
-        <p:txBody>
-          <a:bodyPr rtlCol="0"/>
-          <a:lstStyle/>
-          <a:p>
-            <a:pPr rtl="0"/>
-            <a:r>
-              <a:rPr lang="pt-BR"/>
-              <a:t>01/02/20XX</a:t>
-            </a:r>
-            <a:endParaRPr lang="pt-BR" dirty="0"/>
-          </a:p>
-        </p:txBody>
-      </p:sp>
-      <p:pic>
-        <p:nvPicPr>
-          <p:cNvPr id="14" name="Espaço Reservado para Imagem 13" descr="Barista derramando espuma de leite no café">
-            <a:extLst>
-              <a:ext uri="{FF2B5EF4-FFF2-40B4-BE49-F238E27FC236}">
-                <a16:creationId xmlns:a16="http://schemas.microsoft.com/office/drawing/2014/main" id="{971D22D0-EEF4-49B5-9AA4-005141F0ED0F}"/>
-              </a:ext>
-            </a:extLst>
-          </p:cNvPr>
-          <p:cNvPicPr>
-            <a:picLocks noGrp="1" noChangeAspect="1"/>
-          </p:cNvPicPr>
-          <p:nvPr>
-            <p:ph type="pic" sz="quarter" idx="13"/>
-          </p:nvPr>
-        </p:nvPicPr>
-        <p:blipFill rotWithShape="1">
-          <a:blip r:embed="rId2" cstate="screen">
-            <a:extLst>
-              <a:ext uri="{28A0092B-C50C-407E-A947-70E740481C1C}">
-                <a14:useLocalDpi xmlns:a14="http://schemas.microsoft.com/office/drawing/2010/main" val="0"/>
-              </a:ext>
-            </a:extLst>
-          </a:blip>
-          <a:srcRect/>
-          <a:stretch/>
-        </p:blipFill>
-        <p:spPr>
-          <a:xfrm>
-            <a:off x="6435910" y="1"/>
-            <a:ext cx="5756090" cy="3960681"/>
-          </a:xfrm>
-        </p:spPr>
-      </p:pic>
-      <p:pic>
-        <p:nvPicPr>
-          <p:cNvPr id="16" name="Espaço Reservado para Imagem 15" descr="Grãos de Café">
-            <a:extLst>
-              <a:ext uri="{FF2B5EF4-FFF2-40B4-BE49-F238E27FC236}">
-                <a16:creationId xmlns:a16="http://schemas.microsoft.com/office/drawing/2014/main" id="{B5CEF503-B56A-4BFB-9020-F19AB6AEE4A2}"/>
-              </a:ext>
-            </a:extLst>
-          </p:cNvPr>
-          <p:cNvPicPr>
-            <a:picLocks noGrp="1" noChangeAspect="1"/>
-          </p:cNvPicPr>
-          <p:nvPr>
-            <p:ph type="pic" sz="quarter" idx="14"/>
-          </p:nvPr>
-        </p:nvPicPr>
-        <p:blipFill rotWithShape="1">
-          <a:blip r:embed="rId3" cstate="screen">
-            <a:extLst>
-              <a:ext uri="{28A0092B-C50C-407E-A947-70E740481C1C}">
-                <a14:useLocalDpi xmlns:a14="http://schemas.microsoft.com/office/drawing/2010/main" val="0"/>
-              </a:ext>
-            </a:extLst>
-          </a:blip>
-          <a:srcRect/>
-          <a:stretch/>
-        </p:blipFill>
-        <p:spPr>
-          <a:xfrm>
-            <a:off x="3028871" y="4949374"/>
-            <a:ext cx="5796193" cy="1908627"/>
-          </a:xfrm>
-        </p:spPr>
-      </p:pic>
-      <p:sp>
-        <p:nvSpPr>
-          <p:cNvPr id="3" name="Espaço Reservado para Rodapé 2">
-            <a:extLst>
-              <a:ext uri="{FF2B5EF4-FFF2-40B4-BE49-F238E27FC236}">
-                <a16:creationId xmlns:a16="http://schemas.microsoft.com/office/drawing/2014/main" id="{5038E30A-427D-4071-957E-8261597E506C}"/>
-              </a:ext>
-            </a:extLst>
-          </p:cNvPr>
-          <p:cNvSpPr>
-            <a:spLocks noGrp="1"/>
-          </p:cNvSpPr>
-          <p:nvPr>
-            <p:ph type="ftr" sz="quarter" idx="11"/>
-          </p:nvPr>
-        </p:nvSpPr>
-        <p:spPr>
-          <a:xfrm>
-            <a:off x="761999" y="6356350"/>
-            <a:ext cx="6612835" cy="365125"/>
-          </a:xfrm>
-        </p:spPr>
-        <p:txBody>
-          <a:bodyPr rtlCol="0"/>
-          <a:lstStyle/>
-          <a:p>
-            <a:pPr rtl="0"/>
-            <a:r>
-              <a:rPr lang="pt-BR"/>
-              <a:t>Amostra de Texto de Rodapé</a:t>
-            </a:r>
-          </a:p>
-        </p:txBody>
-      </p:sp>
-      <p:sp>
-        <p:nvSpPr>
-          <p:cNvPr id="4" name="Espaço Reservado para o Número do Slide 3">
-            <a:extLst>
-              <a:ext uri="{FF2B5EF4-FFF2-40B4-BE49-F238E27FC236}">
-                <a16:creationId xmlns:a16="http://schemas.microsoft.com/office/drawing/2014/main" id="{3ECAC315-D873-41E8-BB24-C4382A056CAF}"/>
+            <a:endParaRPr lang="en-NZ"/>
+          </a:p>
+        </p:txBody>
+      </p:sp>
+      <p:sp>
+        <p:nvSpPr>
+          <p:cNvPr id="6" name="Espaço Reservado para Número de Slide 5">
+            <a:extLst>
+              <a:ext uri="{FF2B5EF4-FFF2-40B4-BE49-F238E27FC236}">
+                <a16:creationId xmlns:a16="http://schemas.microsoft.com/office/drawing/2014/main" id="{7BEE7447-0A29-4AA7-913E-DAF380B48A09}"/>
               </a:ext>
             </a:extLst>
           </p:cNvPr>
@@ -17678,217 +17655,24 @@
             <p:ph type="sldNum" sz="quarter" idx="12"/>
           </p:nvPr>
         </p:nvSpPr>
-        <p:spPr>
-          <a:xfrm>
-            <a:off x="9906000" y="6356350"/>
-            <a:ext cx="1524000" cy="365125"/>
-          </a:xfrm>
-        </p:spPr>
-        <p:txBody>
-          <a:bodyPr rtlCol="0"/>
+        <p:spPr/>
+        <p:txBody>
+          <a:bodyPr/>
           <a:lstStyle/>
           <a:p>
             <a:pPr rtl="0"/>
             <a:fld id="{07CE569E-9B7C-4CB9-AB80-C0841F922CFF}" type="slidenum">
               <a:rPr lang="pt-BR" smtClean="0"/>
-              <a:pPr rtl="0"/>
               <a:t>8</a:t>
             </a:fld>
             <a:endParaRPr lang="pt-BR" dirty="0"/>
           </a:p>
         </p:txBody>
       </p:sp>
-      <p:sp>
-        <p:nvSpPr>
-          <p:cNvPr id="58" name="Forma Livre: Forma 57">
-            <a:extLst>
-              <a:ext uri="{FF2B5EF4-FFF2-40B4-BE49-F238E27FC236}">
-                <a16:creationId xmlns:a16="http://schemas.microsoft.com/office/drawing/2014/main" id="{2E15A2B6-8566-44EC-A8C8-8A72969118F9}"/>
-              </a:ext>
-              <a:ext uri="{C183D7F6-B498-43B3-948B-1728B52AA6E4}">
-                <adec:decorative xmlns:adec="http://schemas.microsoft.com/office/drawing/2017/decorative" val="1"/>
-              </a:ext>
-            </a:extLst>
-          </p:cNvPr>
-          <p:cNvSpPr/>
-          <p:nvPr/>
-        </p:nvSpPr>
-        <p:spPr>
-          <a:xfrm>
-            <a:off x="6674051" y="-22158"/>
-            <a:ext cx="5517949" cy="4594156"/>
-          </a:xfrm>
-          <a:custGeom>
-            <a:avLst/>
-            <a:gdLst>
-              <a:gd name="connsiteX0" fmla="*/ 0 w 5756090"/>
-              <a:gd name="connsiteY0" fmla="*/ 0 h 3960681"/>
-              <a:gd name="connsiteX1" fmla="*/ 5756090 w 5756090"/>
-              <a:gd name="connsiteY1" fmla="*/ 0 h 3960681"/>
-              <a:gd name="connsiteX2" fmla="*/ 5756090 w 5756090"/>
-              <a:gd name="connsiteY2" fmla="*/ 3463038 h 3960681"/>
-              <a:gd name="connsiteX3" fmla="*/ 5558511 w 5756090"/>
-              <a:gd name="connsiteY3" fmla="*/ 3561320 h 3960681"/>
-              <a:gd name="connsiteX4" fmla="*/ 3480391 w 5756090"/>
-              <a:gd name="connsiteY4" fmla="*/ 3940416 h 3960681"/>
-              <a:gd name="connsiteX5" fmla="*/ 1605774 w 5756090"/>
-              <a:gd name="connsiteY5" fmla="*/ 2854397 h 3960681"/>
-              <a:gd name="connsiteX6" fmla="*/ 74389 w 5756090"/>
-              <a:gd name="connsiteY6" fmla="*/ 325223 h 3960681"/>
-              <a:gd name="connsiteX7" fmla="*/ 16895 w 5756090"/>
-              <a:gd name="connsiteY7" fmla="*/ 104576 h 3960681"/>
-              <a:gd name="connsiteX0" fmla="*/ 5739463 w 5739463"/>
-              <a:gd name="connsiteY0" fmla="*/ 0 h 3960681"/>
-              <a:gd name="connsiteX1" fmla="*/ 5739463 w 5739463"/>
-              <a:gd name="connsiteY1" fmla="*/ 3463038 h 3960681"/>
-              <a:gd name="connsiteX2" fmla="*/ 5541884 w 5739463"/>
-              <a:gd name="connsiteY2" fmla="*/ 3561320 h 3960681"/>
-              <a:gd name="connsiteX3" fmla="*/ 3463764 w 5739463"/>
-              <a:gd name="connsiteY3" fmla="*/ 3940416 h 3960681"/>
-              <a:gd name="connsiteX4" fmla="*/ 1589147 w 5739463"/>
-              <a:gd name="connsiteY4" fmla="*/ 2854397 h 3960681"/>
-              <a:gd name="connsiteX5" fmla="*/ 57762 w 5739463"/>
-              <a:gd name="connsiteY5" fmla="*/ 325223 h 3960681"/>
-              <a:gd name="connsiteX6" fmla="*/ 268 w 5739463"/>
-              <a:gd name="connsiteY6" fmla="*/ 104576 h 3960681"/>
-              <a:gd name="connsiteX7" fmla="*/ 79475 w 5739463"/>
-              <a:gd name="connsiteY7" fmla="*/ 79214 h 3960681"/>
-              <a:gd name="connsiteX0" fmla="*/ 5739195 w 5739195"/>
-              <a:gd name="connsiteY0" fmla="*/ 0 h 3960681"/>
-              <a:gd name="connsiteX1" fmla="*/ 5739195 w 5739195"/>
-              <a:gd name="connsiteY1" fmla="*/ 3463038 h 3960681"/>
-              <a:gd name="connsiteX2" fmla="*/ 5541616 w 5739195"/>
-              <a:gd name="connsiteY2" fmla="*/ 3561320 h 3960681"/>
-              <a:gd name="connsiteX3" fmla="*/ 3463496 w 5739195"/>
-              <a:gd name="connsiteY3" fmla="*/ 3940416 h 3960681"/>
-              <a:gd name="connsiteX4" fmla="*/ 1588879 w 5739195"/>
-              <a:gd name="connsiteY4" fmla="*/ 2854397 h 3960681"/>
-              <a:gd name="connsiteX5" fmla="*/ 57494 w 5739195"/>
-              <a:gd name="connsiteY5" fmla="*/ 325223 h 3960681"/>
-              <a:gd name="connsiteX6" fmla="*/ 0 w 5739195"/>
-              <a:gd name="connsiteY6" fmla="*/ 104576 h 3960681"/>
-              <a:gd name="connsiteX0" fmla="*/ 5739195 w 5739195"/>
-              <a:gd name="connsiteY0" fmla="*/ 3358462 h 3856105"/>
-              <a:gd name="connsiteX1" fmla="*/ 5541616 w 5739195"/>
-              <a:gd name="connsiteY1" fmla="*/ 3456744 h 3856105"/>
-              <a:gd name="connsiteX2" fmla="*/ 3463496 w 5739195"/>
-              <a:gd name="connsiteY2" fmla="*/ 3835840 h 3856105"/>
-              <a:gd name="connsiteX3" fmla="*/ 1588879 w 5739195"/>
-              <a:gd name="connsiteY3" fmla="*/ 2749821 h 3856105"/>
-              <a:gd name="connsiteX4" fmla="*/ 57494 w 5739195"/>
-              <a:gd name="connsiteY4" fmla="*/ 220647 h 3856105"/>
-              <a:gd name="connsiteX5" fmla="*/ 0 w 5739195"/>
-              <a:gd name="connsiteY5" fmla="*/ 0 h 3856105"/>
-              <a:gd name="connsiteX0" fmla="*/ 5799259 w 5799259"/>
-              <a:gd name="connsiteY0" fmla="*/ 3482233 h 3979876"/>
-              <a:gd name="connsiteX1" fmla="*/ 5601680 w 5799259"/>
-              <a:gd name="connsiteY1" fmla="*/ 3580515 h 3979876"/>
-              <a:gd name="connsiteX2" fmla="*/ 3523560 w 5799259"/>
-              <a:gd name="connsiteY2" fmla="*/ 3959611 h 3979876"/>
-              <a:gd name="connsiteX3" fmla="*/ 1648943 w 5799259"/>
-              <a:gd name="connsiteY3" fmla="*/ 2873592 h 3979876"/>
-              <a:gd name="connsiteX4" fmla="*/ 117558 w 5799259"/>
-              <a:gd name="connsiteY4" fmla="*/ 344418 h 3979876"/>
-              <a:gd name="connsiteX5" fmla="*/ 0 w 5799259"/>
-              <a:gd name="connsiteY5" fmla="*/ 0 h 3979876"/>
-            </a:gdLst>
-            <a:ahLst/>
-            <a:cxnLst>
-              <a:cxn ang="0">
-                <a:pos x="connsiteX0" y="connsiteY0"/>
-              </a:cxn>
-              <a:cxn ang="0">
-                <a:pos x="connsiteX1" y="connsiteY1"/>
-              </a:cxn>
-              <a:cxn ang="0">
-                <a:pos x="connsiteX2" y="connsiteY2"/>
-              </a:cxn>
-              <a:cxn ang="0">
-                <a:pos x="connsiteX3" y="connsiteY3"/>
-              </a:cxn>
-              <a:cxn ang="0">
-                <a:pos x="connsiteX4" y="connsiteY4"/>
-              </a:cxn>
-              <a:cxn ang="0">
-                <a:pos x="connsiteX5" y="connsiteY5"/>
-              </a:cxn>
-            </a:cxnLst>
-            <a:rect l="l" t="t" r="r" b="b"/>
-            <a:pathLst>
-              <a:path w="5799259" h="3979876">
-                <a:moveTo>
-                  <a:pt x="5799259" y="3482233"/>
-                </a:moveTo>
-                <a:lnTo>
-                  <a:pt x="5601680" y="3580515"/>
-                </a:lnTo>
-                <a:cubicBezTo>
-                  <a:pt x="4922508" y="3893723"/>
-                  <a:pt x="4146966" y="4035971"/>
-                  <a:pt x="3523560" y="3959611"/>
-                </a:cubicBezTo>
-                <a:cubicBezTo>
-                  <a:pt x="2795137" y="3870656"/>
-                  <a:pt x="2146179" y="3429872"/>
-                  <a:pt x="1648943" y="2873592"/>
-                </a:cubicBezTo>
-                <a:cubicBezTo>
-                  <a:pt x="1321865" y="2507432"/>
-                  <a:pt x="420219" y="1339817"/>
-                  <a:pt x="117558" y="344418"/>
-                </a:cubicBezTo>
-                <a:cubicBezTo>
-                  <a:pt x="94859" y="269763"/>
-                  <a:pt x="15466" y="72306"/>
-                  <a:pt x="0" y="0"/>
-                </a:cubicBezTo>
-              </a:path>
-            </a:pathLst>
-          </a:custGeom>
-          <a:noFill/>
-          <a:ln w="19050">
-            <a:solidFill>
-              <a:schemeClr val="accent2">
-                <a:lumMod val="60000"/>
-                <a:lumOff val="40000"/>
-              </a:schemeClr>
-            </a:solidFill>
-          </a:ln>
-        </p:spPr>
-        <p:style>
-          <a:lnRef idx="2">
-            <a:schemeClr val="accent1">
-              <a:shade val="50000"/>
-            </a:schemeClr>
-          </a:lnRef>
-          <a:fillRef idx="1">
-            <a:schemeClr val="accent1"/>
-          </a:fillRef>
-          <a:effectRef idx="0">
-            <a:schemeClr val="accent1"/>
-          </a:effectRef>
-          <a:fontRef idx="minor">
-            <a:schemeClr val="lt1"/>
-          </a:fontRef>
-        </p:style>
-        <p:txBody>
-          <a:bodyPr rtlCol="0" anchor="ctr"/>
-          <a:lstStyle/>
-          <a:p>
-            <a:pPr algn="ctr" rtl="0"/>
-            <a:endParaRPr lang="pt-BR" dirty="0">
-              <a:solidFill>
-                <a:prstClr val="white"/>
-              </a:solidFill>
-              <a:latin typeface="Avenir Next LT Pro Light"/>
-            </a:endParaRPr>
-          </a:p>
-        </p:txBody>
-      </p:sp>
     </p:spTree>
     <p:extLst>
       <p:ext uri="{BB962C8B-B14F-4D97-AF65-F5344CB8AC3E}">
-        <p14:creationId xmlns:p14="http://schemas.microsoft.com/office/powerpoint/2010/main" val="2847659137"/>
+        <p14:creationId xmlns:p14="http://schemas.microsoft.com/office/powerpoint/2010/main" val="916289049"/>
       </p:ext>
     </p:extLst>
   </p:cSld>
@@ -17917,10 +17701,10 @@
       </p:grpSpPr>
       <p:sp>
         <p:nvSpPr>
-          <p:cNvPr id="6" name="Título 5">
-            <a:extLst>
-              <a:ext uri="{FF2B5EF4-FFF2-40B4-BE49-F238E27FC236}">
-                <a16:creationId xmlns:a16="http://schemas.microsoft.com/office/drawing/2014/main" id="{191067B3-777C-430E-B0BE-B532F38EAF33}"/>
+          <p:cNvPr id="5" name="Título 4">
+            <a:extLst>
+              <a:ext uri="{FF2B5EF4-FFF2-40B4-BE49-F238E27FC236}">
+                <a16:creationId xmlns:a16="http://schemas.microsoft.com/office/drawing/2014/main" id="{9175A73F-B407-4F1B-BA54-CF25554AD2A4}"/>
               </a:ext>
             </a:extLst>
           </p:cNvPr>
@@ -17944,86 +17728,17 @@
             <a:pPr rtl="0"/>
             <a:r>
               <a:rPr lang="pt-BR" dirty="0"/>
-              <a:t>Banco de dados</a:t>
-            </a:r>
-          </a:p>
-        </p:txBody>
-      </p:sp>
-      <p:sp>
-        <p:nvSpPr>
-          <p:cNvPr id="3" name="Espaço Reservado para Data 2">
-            <a:extLst>
-              <a:ext uri="{FF2B5EF4-FFF2-40B4-BE49-F238E27FC236}">
-                <a16:creationId xmlns:a16="http://schemas.microsoft.com/office/drawing/2014/main" id="{5AC5B968-164D-459D-AE14-D81FE2D09BAB}"/>
-              </a:ext>
-            </a:extLst>
-          </p:cNvPr>
-          <p:cNvSpPr>
-            <a:spLocks noGrp="1"/>
-          </p:cNvSpPr>
-          <p:nvPr>
-            <p:ph type="dt" sz="half" idx="10"/>
-          </p:nvPr>
-        </p:nvSpPr>
-        <p:spPr>
-          <a:xfrm>
-            <a:off x="9389165" y="194320"/>
-            <a:ext cx="2040835" cy="365125"/>
-          </a:xfrm>
-        </p:spPr>
-        <p:txBody>
-          <a:bodyPr rtlCol="0"/>
-          <a:lstStyle/>
-          <a:p>
-            <a:pPr rtl="0"/>
-            <a:r>
-              <a:rPr lang="pt-BR"/>
-              <a:t>01/02/20XX</a:t>
-            </a:r>
-            <a:endParaRPr lang="pt-BR" dirty="0"/>
-          </a:p>
-        </p:txBody>
-      </p:sp>
-      <p:sp>
-        <p:nvSpPr>
-          <p:cNvPr id="4" name="Espaço Reservado para Rodapé 3">
-            <a:extLst>
-              <a:ext uri="{FF2B5EF4-FFF2-40B4-BE49-F238E27FC236}">
-                <a16:creationId xmlns:a16="http://schemas.microsoft.com/office/drawing/2014/main" id="{0858D361-E9A6-48AF-8FF9-9FBAE4529DA5}"/>
-              </a:ext>
-            </a:extLst>
-          </p:cNvPr>
-          <p:cNvSpPr>
-            <a:spLocks noGrp="1"/>
-          </p:cNvSpPr>
-          <p:nvPr>
-            <p:ph type="ftr" sz="quarter" idx="11"/>
-          </p:nvPr>
-        </p:nvSpPr>
-        <p:spPr>
-          <a:xfrm>
-            <a:off x="761999" y="6356350"/>
-            <a:ext cx="6612835" cy="365125"/>
-          </a:xfrm>
-        </p:spPr>
-        <p:txBody>
-          <a:bodyPr rtlCol="0"/>
-          <a:lstStyle/>
-          <a:p>
-            <a:pPr rtl="0"/>
-            <a:r>
-              <a:rPr lang="pt-BR"/>
-              <a:t>Amostra de Texto de Rodapé</a:t>
-            </a:r>
-          </a:p>
-        </p:txBody>
-      </p:sp>
-      <p:sp>
-        <p:nvSpPr>
-          <p:cNvPr id="5" name="Espaço Reservado para o Número do Slide 4">
-            <a:extLst>
-              <a:ext uri="{FF2B5EF4-FFF2-40B4-BE49-F238E27FC236}">
-                <a16:creationId xmlns:a16="http://schemas.microsoft.com/office/drawing/2014/main" id="{8DEF18CC-FFF0-4445-8902-DB8E13313AE2}"/>
+              <a:t>Sistema de reserva</a:t>
+            </a:r>
+          </a:p>
+        </p:txBody>
+      </p:sp>
+      <p:sp>
+        <p:nvSpPr>
+          <p:cNvPr id="4" name="Espaço Reservado para o Número do Slide 3">
+            <a:extLst>
+              <a:ext uri="{FF2B5EF4-FFF2-40B4-BE49-F238E27FC236}">
+                <a16:creationId xmlns:a16="http://schemas.microsoft.com/office/drawing/2014/main" id="{1763C127-A8DA-4EC3-801E-732A899AC82B}"/>
               </a:ext>
             </a:extLst>
           </p:cNvPr>
@@ -18056,10 +17771,10 @@
       </p:sp>
       <p:sp>
         <p:nvSpPr>
-          <p:cNvPr id="7" name="Espaço Reservado para Conteúdo 6">
-            <a:extLst>
-              <a:ext uri="{FF2B5EF4-FFF2-40B4-BE49-F238E27FC236}">
-                <a16:creationId xmlns:a16="http://schemas.microsoft.com/office/drawing/2014/main" id="{1F838F59-A354-4D11-9F94-9B53109E732E}"/>
+          <p:cNvPr id="8" name="Espaço Reservado para Conteúdo 7">
+            <a:extLst>
+              <a:ext uri="{FF2B5EF4-FFF2-40B4-BE49-F238E27FC236}">
+                <a16:creationId xmlns:a16="http://schemas.microsoft.com/office/drawing/2014/main" id="{E2E8EB3C-A121-477C-94BA-6DF0337A7AAD}"/>
               </a:ext>
             </a:extLst>
           </p:cNvPr>
@@ -18075,14 +17790,14 @@
           <a:bodyPr/>
           <a:lstStyle/>
           <a:p>
-            <a:endParaRPr lang="en-NZ" dirty="0"/>
+            <a:endParaRPr lang="en-NZ"/>
           </a:p>
         </p:txBody>
       </p:sp>
     </p:spTree>
     <p:extLst>
       <p:ext uri="{BB962C8B-B14F-4D97-AF65-F5344CB8AC3E}">
-        <p14:creationId xmlns:p14="http://schemas.microsoft.com/office/powerpoint/2010/main" val="4249720376"/>
+        <p14:creationId xmlns:p14="http://schemas.microsoft.com/office/powerpoint/2010/main" val="947216270"/>
       </p:ext>
     </p:extLst>
   </p:cSld>
@@ -19160,15 +18875,6 @@
 </file>
 
 <file path=customXml/item2.xml><?xml version="1.0" encoding="utf-8"?>
-<?mso-contentType ?>
-<FormTemplates xmlns="http://schemas.microsoft.com/sharepoint/v3/contenttype/forms">
-  <Display>DocumentLibraryForm</Display>
-  <Edit>DocumentLibraryForm</Edit>
-  <New>DocumentLibraryForm</New>
-</FormTemplates>
-</file>
-
-<file path=customXml/item3.xml><?xml version="1.0" encoding="utf-8"?>
 <p:properties xmlns:p="http://schemas.microsoft.com/office/2006/metadata/properties" xmlns:xsi="http://www.w3.org/2001/XMLSchema-instance" xmlns:pc="http://schemas.microsoft.com/office/infopath/2007/PartnerControls">
   <documentManagement>
     <_ip_UnifiedCompliancePolicyUIAction xmlns="http://schemas.microsoft.com/sharepoint/v3" xsi:nil="true"/>
@@ -19185,6 +18891,15 @@
     <MediaServiceKeyPoints xmlns="71af3243-3dd4-4a8d-8c0d-dd76da1f02a5" xsi:nil="true"/>
   </documentManagement>
 </p:properties>
+</file>
+
+<file path=customXml/item3.xml><?xml version="1.0" encoding="utf-8"?>
+<?mso-contentType ?>
+<FormTemplates xmlns="http://schemas.microsoft.com/sharepoint/v3/contenttype/forms">
+  <Display>DocumentLibraryForm</Display>
+  <Edit>DocumentLibraryForm</Edit>
+  <New>DocumentLibraryForm</New>
+</FormTemplates>
 </file>
 
 <file path=customXml/itemProps1.xml><?xml version="1.0" encoding="utf-8"?>
@@ -19209,14 +18924,6 @@
 </file>
 
 <file path=customXml/itemProps2.xml><?xml version="1.0" encoding="utf-8"?>
-<ds:datastoreItem xmlns:ds="http://schemas.openxmlformats.org/officeDocument/2006/customXml" ds:itemID="{09F7E09F-F817-4A99-A43E-1B7B2298E82F}">
-  <ds:schemaRefs>
-    <ds:schemaRef ds:uri="http://schemas.microsoft.com/sharepoint/v3/contenttype/forms"/>
-  </ds:schemaRefs>
-</ds:datastoreItem>
-</file>
-
-<file path=customXml/itemProps3.xml><?xml version="1.0" encoding="utf-8"?>
 <ds:datastoreItem xmlns:ds="http://schemas.openxmlformats.org/officeDocument/2006/customXml" ds:itemID="{F609E108-931D-49EA-88D9-2D9B8E90167A}">
   <ds:schemaRefs>
     <ds:schemaRef ds:uri="http://schemas.microsoft.com/office/2006/metadata/properties"/>
@@ -19228,6 +18935,14 @@
 </ds:datastoreItem>
 </file>
 
+<file path=customXml/itemProps3.xml><?xml version="1.0" encoding="utf-8"?>
+<ds:datastoreItem xmlns:ds="http://schemas.openxmlformats.org/officeDocument/2006/customXml" ds:itemID="{09F7E09F-F817-4A99-A43E-1B7B2298E82F}">
+  <ds:schemaRefs>
+    <ds:schemaRef ds:uri="http://schemas.microsoft.com/sharepoint/v3/contenttype/forms"/>
+  </ds:schemaRefs>
+</ds:datastoreItem>
+</file>
+
 <file path=docMetadata/LabelInfo.xml><?xml version="1.0" encoding="utf-8"?>
 <clbl:labelList xmlns:clbl="http://schemas.microsoft.com/office/2020/mipLabelMetadata">
   <clbl:label id="{f42aa342-8706-4288-bd11-ebb85995028c}" enabled="1" method="Standard" siteId="{72f988bf-86f1-41af-91ab-2d7cd011db47}" contentBits="0" removed="0"/>

--- a/Site/Acaiá Coffee Shop.pptx
+++ b/Site/Acaiá Coffee Shop.pptx
@@ -29256,7 +29256,7 @@
               </a:tabLst>
             </a:pPr>
             <a:r>
-              <a:rPr lang="pt-BR" sz="2000" b="0" strike="noStrike" spc="-1">
+              <a:rPr lang="pt-BR" sz="2000" b="0" strike="noStrike" spc="-1" dirty="0">
                 <a:solidFill>
                   <a:srgbClr val="FFFFFF"/>
                 </a:solidFill>
@@ -29278,7 +29278,7 @@
               </a:tabLst>
             </a:pPr>
             <a:r>
-              <a:rPr lang="pt-BR" sz="2000" b="0" strike="noStrike" spc="-1">
+              <a:rPr lang="pt-BR" sz="2000" b="0" strike="noStrike" spc="-1" dirty="0">
                 <a:solidFill>
                   <a:srgbClr val="FFFFFF"/>
                 </a:solidFill>
@@ -29300,7 +29300,7 @@
               </a:tabLst>
             </a:pPr>
             <a:r>
-              <a:rPr lang="pt-BR" sz="2000" b="0" strike="noStrike" spc="-1">
+              <a:rPr lang="pt-BR" sz="2000" b="0" strike="noStrike" spc="-1" dirty="0">
                 <a:solidFill>
                   <a:srgbClr val="FFFFFF"/>
                 </a:solidFill>
@@ -29322,7 +29322,7 @@
               </a:tabLst>
             </a:pPr>
             <a:r>
-              <a:rPr lang="pt-BR" sz="2000" b="0" strike="noStrike" spc="-1">
+              <a:rPr lang="pt-BR" sz="2000" b="0" strike="noStrike" spc="-1" dirty="0">
                 <a:solidFill>
                   <a:srgbClr val="FFFFFF"/>
                 </a:solidFill>
@@ -29344,13 +29344,40 @@
               </a:tabLst>
             </a:pPr>
             <a:r>
-              <a:rPr lang="pt-BR" sz="2000" b="0" strike="noStrike" spc="-1">
+              <a:rPr lang="pt-BR" sz="2000" b="0" strike="noStrike" spc="-1" dirty="0" err="1">
                 <a:solidFill>
                   <a:srgbClr val="FFFFFF"/>
                 </a:solidFill>
                 <a:latin typeface="Avenir Next LT Pro Light"/>
               </a:rPr>
-              <a:t>Doodle art </a:t>
+              <a:t>Doodle</a:t>
+            </a:r>
+            <a:r>
+              <a:rPr lang="pt-BR" sz="2000" b="0" strike="noStrike" spc="-1" dirty="0">
+                <a:solidFill>
+                  <a:srgbClr val="FFFFFF"/>
+                </a:solidFill>
+                <a:latin typeface="Avenir Next LT Pro Light"/>
+              </a:rPr>
+              <a:t> </a:t>
+            </a:r>
+            <a:r>
+              <a:rPr lang="pt-BR" sz="2000" b="0" strike="noStrike" spc="-1" dirty="0" err="1">
+                <a:solidFill>
+                  <a:srgbClr val="FFFFFF"/>
+                </a:solidFill>
+                <a:latin typeface="Avenir Next LT Pro Light"/>
+              </a:rPr>
+              <a:t>art</a:t>
+            </a:r>
+            <a:r>
+              <a:rPr lang="pt-BR" sz="2000" b="0" strike="noStrike" spc="-1" dirty="0">
+                <a:solidFill>
+                  <a:srgbClr val="FFFFFF"/>
+                </a:solidFill>
+                <a:latin typeface="Avenir Next LT Pro Light"/>
+              </a:rPr>
+              <a:t> </a:t>
             </a:r>
           </a:p>
           <a:p>
@@ -29365,7 +29392,7 @@
                 <a:tab pos="0" algn="l"/>
               </a:tabLst>
             </a:pPr>
-            <a:endParaRPr lang="pt-BR" sz="2000" b="0" strike="noStrike" spc="-1">
+            <a:endParaRPr lang="pt-BR" sz="2000" b="0" strike="noStrike" spc="-1" dirty="0">
               <a:solidFill>
                 <a:srgbClr val="FFFFFF"/>
               </a:solidFill>
@@ -29384,7 +29411,7 @@
                 <a:tab pos="0" algn="l"/>
               </a:tabLst>
             </a:pPr>
-            <a:endParaRPr lang="pt-BR" sz="2000" b="0" strike="noStrike" spc="-1">
+            <a:endParaRPr lang="pt-BR" sz="2000" b="0" strike="noStrike" spc="-1" dirty="0">
               <a:solidFill>
                 <a:srgbClr val="FFFFFF"/>
               </a:solidFill>
@@ -30647,6 +30674,260 @@
           </a:p>
         </p:txBody>
       </p:sp>
+      <p:pic>
+        <p:nvPicPr>
+          <p:cNvPr id="11" name="Imagem 10">
+            <a:extLst>
+              <a:ext uri="{FF2B5EF4-FFF2-40B4-BE49-F238E27FC236}">
+                <a16:creationId xmlns:a16="http://schemas.microsoft.com/office/drawing/2014/main" id="{32833172-8C64-4566-A141-98F548E82660}"/>
+              </a:ext>
+            </a:extLst>
+          </p:cNvPr>
+          <p:cNvPicPr>
+            <a:picLocks noChangeAspect="1"/>
+          </p:cNvPicPr>
+          <p:nvPr/>
+        </p:nvPicPr>
+        <p:blipFill>
+          <a:blip r:embed="rId2"/>
+          <a:stretch>
+            <a:fillRect/>
+          </a:stretch>
+        </p:blipFill>
+        <p:spPr>
+          <a:xfrm>
+            <a:off x="7580314" y="158237"/>
+            <a:ext cx="4401164" cy="2457793"/>
+          </a:xfrm>
+          <a:prstGeom prst="rect">
+            <a:avLst/>
+          </a:prstGeom>
+        </p:spPr>
+      </p:pic>
+      <p:pic>
+        <p:nvPicPr>
+          <p:cNvPr id="13" name="Imagem 12">
+            <a:extLst>
+              <a:ext uri="{FF2B5EF4-FFF2-40B4-BE49-F238E27FC236}">
+                <a16:creationId xmlns:a16="http://schemas.microsoft.com/office/drawing/2014/main" id="{324DD04A-3286-4BD5-988B-688E1B480B9C}"/>
+              </a:ext>
+            </a:extLst>
+          </p:cNvPr>
+          <p:cNvPicPr>
+            <a:picLocks noChangeAspect="1"/>
+          </p:cNvPicPr>
+          <p:nvPr/>
+        </p:nvPicPr>
+        <p:blipFill>
+          <a:blip r:embed="rId3"/>
+          <a:stretch>
+            <a:fillRect/>
+          </a:stretch>
+        </p:blipFill>
+        <p:spPr>
+          <a:xfrm>
+            <a:off x="7932788" y="2889523"/>
+            <a:ext cx="3696216" cy="2534004"/>
+          </a:xfrm>
+          <a:prstGeom prst="rect">
+            <a:avLst/>
+          </a:prstGeom>
+        </p:spPr>
+      </p:pic>
+      <p:sp>
+        <p:nvSpPr>
+          <p:cNvPr id="14" name="CaixaDeTexto 13">
+            <a:extLst>
+              <a:ext uri="{FF2B5EF4-FFF2-40B4-BE49-F238E27FC236}">
+                <a16:creationId xmlns:a16="http://schemas.microsoft.com/office/drawing/2014/main" id="{5EC67E09-702F-4F3C-8F43-988C62E9702D}"/>
+              </a:ext>
+            </a:extLst>
+          </p:cNvPr>
+          <p:cNvSpPr txBox="1"/>
+          <p:nvPr/>
+        </p:nvSpPr>
+        <p:spPr>
+          <a:xfrm>
+            <a:off x="245660" y="2679197"/>
+            <a:ext cx="8284191" cy="2954655"/>
+          </a:xfrm>
+          <a:prstGeom prst="rect">
+            <a:avLst/>
+          </a:prstGeom>
+          <a:noFill/>
+        </p:spPr>
+        <p:txBody>
+          <a:bodyPr wrap="square" rtlCol="0">
+            <a:spAutoFit/>
+          </a:bodyPr>
+          <a:lstStyle/>
+          <a:p>
+            <a:pPr marL="285750" indent="-285750">
+              <a:buFont typeface="Wingdings" panose="05000000000000000000" pitchFamily="2" charset="2"/>
+              <a:buChar char="q"/>
+            </a:pPr>
+            <a:r>
+              <a:rPr lang="pt-BR" sz="2400" dirty="0">
+                <a:solidFill>
+                  <a:schemeClr val="bg1"/>
+                </a:solidFill>
+              </a:rPr>
+              <a:t> </a:t>
+            </a:r>
+            <a:r>
+              <a:rPr lang="pt-BR" sz="2400" dirty="0">
+                <a:solidFill>
+                  <a:schemeClr val="bg1"/>
+                </a:solidFill>
+                <a:latin typeface="Avenir Next LT Pro Light" panose="020B0304020202020204" pitchFamily="34" charset="0"/>
+              </a:rPr>
+              <a:t>O carrinho é feito da maneira </a:t>
+            </a:r>
+            <a:r>
+              <a:rPr lang="pt-BR" sz="2400" b="1" i="1" dirty="0">
+                <a:solidFill>
+                  <a:schemeClr val="bg1"/>
+                </a:solidFill>
+                <a:latin typeface="Avenir Next LT Pro Light" panose="020B0304020202020204" pitchFamily="34" charset="0"/>
+              </a:rPr>
+              <a:t>pop </a:t>
+            </a:r>
+            <a:r>
+              <a:rPr lang="pt-BR" sz="2400" b="1" i="1" dirty="0" err="1">
+                <a:solidFill>
+                  <a:schemeClr val="bg1"/>
+                </a:solidFill>
+                <a:latin typeface="Avenir Next LT Pro Light" panose="020B0304020202020204" pitchFamily="34" charset="0"/>
+              </a:rPr>
+              <a:t>up</a:t>
+            </a:r>
+            <a:r>
+              <a:rPr lang="pt-BR" sz="2400" b="1" i="1" dirty="0">
+                <a:solidFill>
+                  <a:schemeClr val="bg1"/>
+                </a:solidFill>
+                <a:latin typeface="Avenir Next LT Pro Light" panose="020B0304020202020204" pitchFamily="34" charset="0"/>
+              </a:rPr>
+              <a:t> </a:t>
+            </a:r>
+            <a:r>
+              <a:rPr lang="pt-BR" sz="2400" dirty="0">
+                <a:solidFill>
+                  <a:schemeClr val="bg1"/>
+                </a:solidFill>
+                <a:latin typeface="Avenir Next LT Pro Light" panose="020B0304020202020204" pitchFamily="34" charset="0"/>
+              </a:rPr>
+              <a:t>por meio do Framework </a:t>
+            </a:r>
+            <a:r>
+              <a:rPr lang="pt-BR" sz="2400" b="1" i="1" dirty="0" err="1">
+                <a:solidFill>
+                  <a:schemeClr val="bg1"/>
+                </a:solidFill>
+                <a:latin typeface="Avenir Next LT Pro Light" panose="020B0304020202020204" pitchFamily="34" charset="0"/>
+              </a:rPr>
+              <a:t>SweetAlert</a:t>
+            </a:r>
+            <a:r>
+              <a:rPr lang="pt-BR" sz="2400" dirty="0">
+                <a:solidFill>
+                  <a:schemeClr val="bg1"/>
+                </a:solidFill>
+                <a:latin typeface="Avenir Next LT Pro Light" panose="020B0304020202020204" pitchFamily="34" charset="0"/>
+              </a:rPr>
+              <a:t> que permite criar janelas interativas.</a:t>
+            </a:r>
+          </a:p>
+          <a:p>
+            <a:pPr marL="285750" indent="-285750">
+              <a:buFont typeface="Wingdings" panose="05000000000000000000" pitchFamily="2" charset="2"/>
+              <a:buChar char="q"/>
+            </a:pPr>
+            <a:endParaRPr lang="pt-BR" sz="2400" dirty="0">
+              <a:solidFill>
+                <a:schemeClr val="bg1"/>
+              </a:solidFill>
+              <a:latin typeface="Avenir Next LT Pro Light" panose="020B0304020202020204" pitchFamily="34" charset="0"/>
+            </a:endParaRPr>
+          </a:p>
+          <a:p>
+            <a:pPr marL="285750" indent="-285750">
+              <a:buFont typeface="Wingdings" panose="05000000000000000000" pitchFamily="2" charset="2"/>
+              <a:buChar char="q"/>
+            </a:pPr>
+            <a:r>
+              <a:rPr lang="pt-BR" sz="2400" dirty="0">
+                <a:solidFill>
+                  <a:schemeClr val="bg1"/>
+                </a:solidFill>
+                <a:latin typeface="Avenir Next LT Pro Light" panose="020B0304020202020204" pitchFamily="34" charset="0"/>
+              </a:rPr>
+              <a:t> Visualização </a:t>
+            </a:r>
+            <a:r>
+              <a:rPr lang="pt-BR" sz="2400" b="1" dirty="0">
+                <a:solidFill>
+                  <a:schemeClr val="bg1"/>
+                </a:solidFill>
+                <a:latin typeface="Avenir Next LT Pro Light" panose="020B0304020202020204" pitchFamily="34" charset="0"/>
+              </a:rPr>
+              <a:t>rápida </a:t>
+            </a:r>
+            <a:r>
+              <a:rPr lang="pt-BR" sz="2400" dirty="0">
+                <a:solidFill>
+                  <a:schemeClr val="bg1"/>
+                </a:solidFill>
+                <a:latin typeface="Avenir Next LT Pro Light" panose="020B0304020202020204" pitchFamily="34" charset="0"/>
+              </a:rPr>
+              <a:t>e </a:t>
+            </a:r>
+            <a:r>
+              <a:rPr lang="pt-BR" sz="2400" b="1" dirty="0">
+                <a:solidFill>
+                  <a:schemeClr val="bg1"/>
+                </a:solidFill>
+                <a:latin typeface="Avenir Next LT Pro Light" panose="020B0304020202020204" pitchFamily="34" charset="0"/>
+              </a:rPr>
+              <a:t>simples.</a:t>
+            </a:r>
+          </a:p>
+          <a:p>
+            <a:endParaRPr lang="pt-BR" sz="2400" dirty="0">
+              <a:solidFill>
+                <a:schemeClr val="bg1"/>
+              </a:solidFill>
+              <a:latin typeface="Avenir Next LT Pro Light" panose="020B0304020202020204" pitchFamily="34" charset="0"/>
+            </a:endParaRPr>
+          </a:p>
+          <a:p>
+            <a:pPr marL="285750" indent="-285750">
+              <a:buFont typeface="Wingdings" panose="05000000000000000000" pitchFamily="2" charset="2"/>
+              <a:buChar char="q"/>
+            </a:pPr>
+            <a:r>
+              <a:rPr lang="pt-BR" sz="2400" dirty="0">
+                <a:solidFill>
+                  <a:schemeClr val="bg1"/>
+                </a:solidFill>
+                <a:latin typeface="Avenir Next LT Pro Light" panose="020B0304020202020204" pitchFamily="34" charset="0"/>
+              </a:rPr>
+              <a:t> Pouco esforço computacional por estar no cliente</a:t>
+            </a:r>
+            <a:r>
+              <a:rPr lang="pt-BR" sz="2400" dirty="0">
+                <a:solidFill>
+                  <a:schemeClr val="bg1"/>
+                </a:solidFill>
+              </a:rPr>
+              <a:t>.</a:t>
+            </a:r>
+          </a:p>
+          <a:p>
+            <a:endParaRPr lang="pt-BR" dirty="0"/>
+          </a:p>
+        </p:txBody>
+      </p:sp>
     </p:spTree>
   </p:cSld>
   <p:clrMapOvr>
@@ -30773,7 +31054,7 @@
         </p:nvSpPr>
         <p:spPr>
           <a:xfrm>
-            <a:off x="853560" y="1823760"/>
+            <a:off x="848340" y="2507040"/>
             <a:ext cx="10495080" cy="4350960"/>
           </a:xfrm>
           <a:prstGeom prst="rect">
@@ -30790,15 +31071,144 @@
           </a:bodyPr>
           <a:lstStyle/>
           <a:p>
-            <a:endParaRPr lang="pt-BR" sz="2800" b="0" strike="noStrike" spc="-1">
-              <a:solidFill>
-                <a:srgbClr val="FFFFFF"/>
-              </a:solidFill>
-              <a:latin typeface="Avenir Next LT Pro Light"/>
-            </a:endParaRPr>
-          </a:p>
-        </p:txBody>
-      </p:sp>
+            <a:pPr marL="457200" indent="-457200">
+              <a:buFont typeface="Wingdings" panose="05000000000000000000" pitchFamily="2" charset="2"/>
+              <a:buChar char="q"/>
+            </a:pPr>
+            <a:r>
+              <a:rPr lang="pt-BR" sz="2800" b="0" strike="noStrike" spc="-1" dirty="0">
+                <a:solidFill>
+                  <a:srgbClr val="FFFFFF"/>
+                </a:solidFill>
+                <a:latin typeface="Avenir Next LT Pro Light"/>
+              </a:rPr>
+              <a:t>Uso da API do </a:t>
+            </a:r>
+            <a:r>
+              <a:rPr lang="pt-BR" sz="2800" b="1" i="1" spc="-1" dirty="0" err="1">
+                <a:solidFill>
+                  <a:srgbClr val="FFFFFF"/>
+                </a:solidFill>
+                <a:latin typeface="Avenir Next LT Pro Light"/>
+              </a:rPr>
+              <a:t>T</a:t>
+            </a:r>
+            <a:r>
+              <a:rPr lang="pt-BR" sz="2800" b="1" i="1" strike="noStrike" spc="-1" dirty="0" err="1">
+                <a:solidFill>
+                  <a:srgbClr val="FFFFFF"/>
+                </a:solidFill>
+                <a:latin typeface="Avenir Next LT Pro Light"/>
+              </a:rPr>
+              <a:t>elegram</a:t>
+            </a:r>
+            <a:r>
+              <a:rPr lang="pt-BR" sz="2800" b="1" i="1" spc="-1" dirty="0">
+                <a:solidFill>
+                  <a:srgbClr val="FFFFFF"/>
+                </a:solidFill>
+                <a:latin typeface="Avenir Next LT Pro Light"/>
+              </a:rPr>
+              <a:t>;</a:t>
+            </a:r>
+            <a:endParaRPr lang="pt-BR" sz="2800" b="1" i="1" strike="noStrike" spc="-1" dirty="0">
+              <a:solidFill>
+                <a:srgbClr val="FFFFFF"/>
+              </a:solidFill>
+              <a:latin typeface="Avenir Next LT Pro Light"/>
+            </a:endParaRPr>
+          </a:p>
+          <a:p>
+            <a:pPr marL="457200" indent="-457200">
+              <a:buFont typeface="Wingdings" panose="05000000000000000000" pitchFamily="2" charset="2"/>
+              <a:buChar char="q"/>
+            </a:pPr>
+            <a:r>
+              <a:rPr lang="pt-BR" sz="2800" spc="-1" dirty="0">
+                <a:solidFill>
+                  <a:srgbClr val="FFFFFF"/>
+                </a:solidFill>
+                <a:latin typeface="Avenir Next LT Pro Light"/>
+              </a:rPr>
+              <a:t>Organização do fluxo de caixa diário;</a:t>
+            </a:r>
+          </a:p>
+          <a:p>
+            <a:pPr marL="457200" indent="-457200">
+              <a:buFont typeface="Wingdings" panose="05000000000000000000" pitchFamily="2" charset="2"/>
+              <a:buChar char="q"/>
+            </a:pPr>
+            <a:r>
+              <a:rPr lang="pt-BR" sz="2800" strike="noStrike" spc="-1" dirty="0">
+                <a:solidFill>
+                  <a:srgbClr val="FFFFFF"/>
+                </a:solidFill>
+                <a:latin typeface="Avenir Next LT Pro Light"/>
+              </a:rPr>
+              <a:t>Controle dos pedidos na palma da mão;</a:t>
+            </a:r>
+          </a:p>
+          <a:p>
+            <a:pPr marL="457200" indent="-457200">
+              <a:buFont typeface="Wingdings" panose="05000000000000000000" pitchFamily="2" charset="2"/>
+              <a:buChar char="q"/>
+            </a:pPr>
+            <a:r>
+              <a:rPr lang="pt-BR" sz="2800" spc="-1" dirty="0">
+                <a:solidFill>
+                  <a:srgbClr val="FFFFFF"/>
+                </a:solidFill>
+                <a:latin typeface="Avenir Next LT Pro Light"/>
+              </a:rPr>
+              <a:t>Monitoramento de qualquer lugar;</a:t>
+            </a:r>
+          </a:p>
+          <a:p>
+            <a:pPr marL="457200" indent="-457200">
+              <a:buFont typeface="Wingdings" panose="05000000000000000000" pitchFamily="2" charset="2"/>
+              <a:buChar char="q"/>
+            </a:pPr>
+            <a:r>
+              <a:rPr lang="pt-BR" sz="2800" spc="-1" dirty="0">
+                <a:solidFill>
+                  <a:srgbClr val="FFFFFF"/>
+                </a:solidFill>
+                <a:latin typeface="Avenir Next LT Pro Light"/>
+              </a:rPr>
+              <a:t>Disponível para PC, IOS e Android.</a:t>
+            </a:r>
+          </a:p>
+        </p:txBody>
+      </p:sp>
+      <p:pic>
+        <p:nvPicPr>
+          <p:cNvPr id="3" name="Imagem 2">
+            <a:extLst>
+              <a:ext uri="{FF2B5EF4-FFF2-40B4-BE49-F238E27FC236}">
+                <a16:creationId xmlns:a16="http://schemas.microsoft.com/office/drawing/2014/main" id="{484E84D8-632D-4C53-8430-D65261A3C5F3}"/>
+              </a:ext>
+            </a:extLst>
+          </p:cNvPr>
+          <p:cNvPicPr>
+            <a:picLocks noChangeAspect="1"/>
+          </p:cNvPicPr>
+          <p:nvPr/>
+        </p:nvPicPr>
+        <p:blipFill rotWithShape="1">
+          <a:blip r:embed="rId2"/>
+          <a:srcRect l="52665" t="5117" r="2036" b="5330"/>
+          <a:stretch/>
+        </p:blipFill>
+        <p:spPr>
+          <a:xfrm>
+            <a:off x="9379244" y="136800"/>
+            <a:ext cx="2577272" cy="2866030"/>
+          </a:xfrm>
+          <a:prstGeom prst="rect">
+            <a:avLst/>
+          </a:prstGeom>
+        </p:spPr>
+      </p:pic>
     </p:spTree>
   </p:cSld>
   <p:clrMapOvr>
